--- a/trunk/Distrib/Training/TX_AM2017/Examples/4-wire Delta/4-Wire Delta Example.pptx
+++ b/trunk/Distrib/Training/TX_AM2017/Examples/4-wire Delta/4-Wire Delta Example.pptx
@@ -2,7 +2,7 @@
 <file path=ppt/presentation.xml><?xml version="1.0" encoding="utf-8"?>
 <p:presentation xmlns:a="http://schemas.openxmlformats.org/drawingml/2006/main" xmlns:r="http://schemas.openxmlformats.org/officeDocument/2006/relationships" xmlns:p="http://schemas.openxmlformats.org/presentationml/2006/main" saveSubsetFonts="1">
   <p:sldMasterIdLst>
-    <p:sldMasterId id="2147483649" r:id="rId1"/>
+    <p:sldMasterId id="2147483709" r:id="rId1"/>
   </p:sldMasterIdLst>
   <p:notesMasterIdLst>
     <p:notesMasterId r:id="rId19"/>
@@ -11,7 +11,7 @@
     <p:handoutMasterId r:id="rId20"/>
   </p:handoutMasterIdLst>
   <p:sldIdLst>
-    <p:sldId id="273" r:id="rId2"/>
+    <p:sldId id="488" r:id="rId2"/>
     <p:sldId id="471" r:id="rId3"/>
     <p:sldId id="472" r:id="rId4"/>
     <p:sldId id="473" r:id="rId5"/>
@@ -46,7 +46,7 @@
         <a:solidFill>
           <a:srgbClr val="000000"/>
         </a:solidFill>
-        <a:latin typeface="Arial" panose="020B0604020202020204" pitchFamily="34" charset="0"/>
+        <a:latin typeface="Arial" charset="0"/>
         <a:ea typeface="+mn-ea"/>
         <a:cs typeface="+mn-cs"/>
       </a:defRPr>
@@ -62,7 +62,7 @@
         <a:solidFill>
           <a:srgbClr val="000000"/>
         </a:solidFill>
-        <a:latin typeface="Arial" panose="020B0604020202020204" pitchFamily="34" charset="0"/>
+        <a:latin typeface="Arial" charset="0"/>
         <a:ea typeface="+mn-ea"/>
         <a:cs typeface="+mn-cs"/>
       </a:defRPr>
@@ -78,7 +78,7 @@
         <a:solidFill>
           <a:srgbClr val="000000"/>
         </a:solidFill>
-        <a:latin typeface="Arial" panose="020B0604020202020204" pitchFamily="34" charset="0"/>
+        <a:latin typeface="Arial" charset="0"/>
         <a:ea typeface="+mn-ea"/>
         <a:cs typeface="+mn-cs"/>
       </a:defRPr>
@@ -94,7 +94,7 @@
         <a:solidFill>
           <a:srgbClr val="000000"/>
         </a:solidFill>
-        <a:latin typeface="Arial" panose="020B0604020202020204" pitchFamily="34" charset="0"/>
+        <a:latin typeface="Arial" charset="0"/>
         <a:ea typeface="+mn-ea"/>
         <a:cs typeface="+mn-cs"/>
       </a:defRPr>
@@ -110,7 +110,7 @@
         <a:solidFill>
           <a:srgbClr val="000000"/>
         </a:solidFill>
-        <a:latin typeface="Arial" panose="020B0604020202020204" pitchFamily="34" charset="0"/>
+        <a:latin typeface="Arial" charset="0"/>
         <a:ea typeface="+mn-ea"/>
         <a:cs typeface="+mn-cs"/>
       </a:defRPr>
@@ -120,7 +120,7 @@
         <a:solidFill>
           <a:srgbClr val="000000"/>
         </a:solidFill>
-        <a:latin typeface="Arial" panose="020B0604020202020204" pitchFamily="34" charset="0"/>
+        <a:latin typeface="Arial" charset="0"/>
         <a:ea typeface="+mn-ea"/>
         <a:cs typeface="+mn-cs"/>
       </a:defRPr>
@@ -130,7 +130,7 @@
         <a:solidFill>
           <a:srgbClr val="000000"/>
         </a:solidFill>
-        <a:latin typeface="Arial" panose="020B0604020202020204" pitchFamily="34" charset="0"/>
+        <a:latin typeface="Arial" charset="0"/>
         <a:ea typeface="+mn-ea"/>
         <a:cs typeface="+mn-cs"/>
       </a:defRPr>
@@ -140,7 +140,7 @@
         <a:solidFill>
           <a:srgbClr val="000000"/>
         </a:solidFill>
-        <a:latin typeface="Arial" panose="020B0604020202020204" pitchFamily="34" charset="0"/>
+        <a:latin typeface="Arial" charset="0"/>
         <a:ea typeface="+mn-ea"/>
         <a:cs typeface="+mn-cs"/>
       </a:defRPr>
@@ -150,7 +150,7 @@
         <a:solidFill>
           <a:srgbClr val="000000"/>
         </a:solidFill>
-        <a:latin typeface="Arial" panose="020B0604020202020204" pitchFamily="34" charset="0"/>
+        <a:latin typeface="Arial" charset="0"/>
         <a:ea typeface="+mn-ea"/>
         <a:cs typeface="+mn-cs"/>
       </a:defRPr>
@@ -269,7 +269,7 @@
               <a:pPr>
                 <a:defRPr/>
               </a:pPr>
-              <a:t>6/24/2016</a:t>
+              <a:t>4/13/2017</a:t>
             </a:fld>
             <a:endParaRPr lang="en-US"/>
           </a:p>
@@ -860,251 +860,6 @@
       </p:grpSpPr>
       <p:sp>
         <p:nvSpPr>
-          <p:cNvPr id="178178" name="Rectangle 7"/>
-          <p:cNvSpPr>
-            <a:spLocks noGrp="1" noChangeArrowheads="1"/>
-          </p:cNvSpPr>
-          <p:nvPr>
-            <p:ph type="sldNum" sz="quarter" idx="5"/>
-          </p:nvPr>
-        </p:nvSpPr>
-        <p:spPr>
-          <a:noFill/>
-          <a:ln/>
-          <a:extLst>
-            <a:ext uri="{909E8E84-426E-40DD-AFC4-6F175D3DCCD1}">
-              <a14:hiddenFill xmlns:a14="http://schemas.microsoft.com/office/drawing/2010/main">
-                <a:solidFill>
-                  <a:srgbClr val="FFFFFF"/>
-                </a:solidFill>
-              </a14:hiddenFill>
-            </a:ext>
-            <a:ext uri="{91240B29-F687-4F45-9708-019B960494DF}">
-              <a14:hiddenLine xmlns:a14="http://schemas.microsoft.com/office/drawing/2010/main" w="9525">
-                <a:solidFill>
-                  <a:srgbClr val="000000"/>
-                </a:solidFill>
-                <a:miter lim="800000"/>
-                <a:headEnd/>
-                <a:tailEnd/>
-              </a14:hiddenLine>
-            </a:ext>
-          </a:extLst>
-        </p:spPr>
-        <p:txBody>
-          <a:bodyPr/>
-          <a:lstStyle>
-            <a:lvl1pPr>
-              <a:defRPr sz="1600">
-                <a:solidFill>
-                  <a:srgbClr val="000000"/>
-                </a:solidFill>
-                <a:latin typeface="Arial" panose="020B0604020202020204" pitchFamily="34" charset="0"/>
-              </a:defRPr>
-            </a:lvl1pPr>
-            <a:lvl2pPr marL="742950" indent="-285750">
-              <a:defRPr sz="1600">
-                <a:solidFill>
-                  <a:srgbClr val="000000"/>
-                </a:solidFill>
-                <a:latin typeface="Arial" panose="020B0604020202020204" pitchFamily="34" charset="0"/>
-              </a:defRPr>
-            </a:lvl2pPr>
-            <a:lvl3pPr marL="1143000" indent="-228600">
-              <a:defRPr sz="1600">
-                <a:solidFill>
-                  <a:srgbClr val="000000"/>
-                </a:solidFill>
-                <a:latin typeface="Arial" panose="020B0604020202020204" pitchFamily="34" charset="0"/>
-              </a:defRPr>
-            </a:lvl3pPr>
-            <a:lvl4pPr marL="1600200" indent="-228600">
-              <a:defRPr sz="1600">
-                <a:solidFill>
-                  <a:srgbClr val="000000"/>
-                </a:solidFill>
-                <a:latin typeface="Arial" panose="020B0604020202020204" pitchFamily="34" charset="0"/>
-              </a:defRPr>
-            </a:lvl4pPr>
-            <a:lvl5pPr marL="2057400" indent="-228600">
-              <a:defRPr sz="1600">
-                <a:solidFill>
-                  <a:srgbClr val="000000"/>
-                </a:solidFill>
-                <a:latin typeface="Arial" panose="020B0604020202020204" pitchFamily="34" charset="0"/>
-              </a:defRPr>
-            </a:lvl5pPr>
-            <a:lvl6pPr marL="2514600" indent="-228600" algn="ctr" eaLnBrk="0" fontAlgn="base" hangingPunct="0">
-              <a:spcBef>
-                <a:spcPct val="50000"/>
-              </a:spcBef>
-              <a:spcAft>
-                <a:spcPct val="0"/>
-              </a:spcAft>
-              <a:defRPr sz="1600">
-                <a:solidFill>
-                  <a:srgbClr val="000000"/>
-                </a:solidFill>
-                <a:latin typeface="Arial" panose="020B0604020202020204" pitchFamily="34" charset="0"/>
-              </a:defRPr>
-            </a:lvl6pPr>
-            <a:lvl7pPr marL="2971800" indent="-228600" algn="ctr" eaLnBrk="0" fontAlgn="base" hangingPunct="0">
-              <a:spcBef>
-                <a:spcPct val="50000"/>
-              </a:spcBef>
-              <a:spcAft>
-                <a:spcPct val="0"/>
-              </a:spcAft>
-              <a:defRPr sz="1600">
-                <a:solidFill>
-                  <a:srgbClr val="000000"/>
-                </a:solidFill>
-                <a:latin typeface="Arial" panose="020B0604020202020204" pitchFamily="34" charset="0"/>
-              </a:defRPr>
-            </a:lvl7pPr>
-            <a:lvl8pPr marL="3429000" indent="-228600" algn="ctr" eaLnBrk="0" fontAlgn="base" hangingPunct="0">
-              <a:spcBef>
-                <a:spcPct val="50000"/>
-              </a:spcBef>
-              <a:spcAft>
-                <a:spcPct val="0"/>
-              </a:spcAft>
-              <a:defRPr sz="1600">
-                <a:solidFill>
-                  <a:srgbClr val="000000"/>
-                </a:solidFill>
-                <a:latin typeface="Arial" panose="020B0604020202020204" pitchFamily="34" charset="0"/>
-              </a:defRPr>
-            </a:lvl8pPr>
-            <a:lvl9pPr marL="3886200" indent="-228600" algn="ctr" eaLnBrk="0" fontAlgn="base" hangingPunct="0">
-              <a:spcBef>
-                <a:spcPct val="50000"/>
-              </a:spcBef>
-              <a:spcAft>
-                <a:spcPct val="0"/>
-              </a:spcAft>
-              <a:defRPr sz="1600">
-                <a:solidFill>
-                  <a:srgbClr val="000000"/>
-                </a:solidFill>
-                <a:latin typeface="Arial" panose="020B0604020202020204" pitchFamily="34" charset="0"/>
-              </a:defRPr>
-            </a:lvl9pPr>
-          </a:lstStyle>
-          <a:p>
-            <a:fld id="{D4F4D481-F577-41C5-A239-A77674CDF162}" type="slidenum">
-              <a:rPr lang="en-US" altLang="en-US" sz="1200">
-                <a:solidFill>
-                  <a:schemeClr val="tx1"/>
-                </a:solidFill>
-              </a:rPr>
-              <a:pPr/>
-              <a:t>1</a:t>
-            </a:fld>
-            <a:endParaRPr lang="en-US" altLang="en-US" sz="1200">
-              <a:solidFill>
-                <a:schemeClr val="tx1"/>
-              </a:solidFill>
-            </a:endParaRPr>
-          </a:p>
-        </p:txBody>
-      </p:sp>
-      <p:sp>
-        <p:nvSpPr>
-          <p:cNvPr id="178179" name="Rectangle 2"/>
-          <p:cNvSpPr>
-            <a:spLocks noGrp="1" noRot="1" noChangeAspect="1" noChangeArrowheads="1" noTextEdit="1"/>
-          </p:cNvSpPr>
-          <p:nvPr>
-            <p:ph type="sldImg"/>
-          </p:nvPr>
-        </p:nvSpPr>
-        <p:spPr>
-          <a:xfrm>
-            <a:off x="1108075" y="695325"/>
-            <a:ext cx="4646613" cy="3486150"/>
-          </a:xfrm>
-          <a:ln/>
-        </p:spPr>
-      </p:sp>
-      <p:sp>
-        <p:nvSpPr>
-          <p:cNvPr id="178180" name="Rectangle 3"/>
-          <p:cNvSpPr>
-            <a:spLocks noGrp="1" noChangeArrowheads="1"/>
-          </p:cNvSpPr>
-          <p:nvPr>
-            <p:ph type="body" idx="1"/>
-          </p:nvPr>
-        </p:nvSpPr>
-        <p:spPr>
-          <a:xfrm>
-            <a:off x="914400" y="4414838"/>
-            <a:ext cx="5029200" cy="4186237"/>
-          </a:xfrm>
-          <a:noFill/>
-          <a:ln/>
-          <a:extLst>
-            <a:ext uri="{909E8E84-426E-40DD-AFC4-6F175D3DCCD1}">
-              <a14:hiddenFill xmlns:a14="http://schemas.microsoft.com/office/drawing/2010/main">
-                <a:solidFill>
-                  <a:srgbClr val="FFFFFF"/>
-                </a:solidFill>
-              </a14:hiddenFill>
-            </a:ext>
-            <a:ext uri="{91240B29-F687-4F45-9708-019B960494DF}">
-              <a14:hiddenLine xmlns:a14="http://schemas.microsoft.com/office/drawing/2010/main" w="9525">
-                <a:solidFill>
-                  <a:srgbClr val="000000"/>
-                </a:solidFill>
-                <a:miter lim="800000"/>
-                <a:headEnd/>
-                <a:tailEnd/>
-              </a14:hiddenLine>
-            </a:ext>
-          </a:extLst>
-        </p:spPr>
-        <p:txBody>
-          <a:bodyPr/>
-          <a:lstStyle/>
-          <a:p>
-            <a:pPr eaLnBrk="1" hangingPunct="1"/>
-            <a:endParaRPr lang="en-US" altLang="en-US"/>
-          </a:p>
-        </p:txBody>
-      </p:sp>
-    </p:spTree>
-    <p:extLst>
-      <p:ext uri="{BB962C8B-B14F-4D97-AF65-F5344CB8AC3E}">
-        <p14:creationId xmlns:p14="http://schemas.microsoft.com/office/powerpoint/2010/main" val="3166489150"/>
-      </p:ext>
-    </p:extLst>
-  </p:cSld>
-  <p:clrMapOvr>
-    <a:masterClrMapping/>
-  </p:clrMapOvr>
-</p:notes>
-</file>
-
-<file path=ppt/notesSlides/notesSlide2.xml><?xml version="1.0" encoding="utf-8"?>
-<p:notes xmlns:a="http://schemas.openxmlformats.org/drawingml/2006/main" xmlns:r="http://schemas.openxmlformats.org/officeDocument/2006/relationships" xmlns:p="http://schemas.openxmlformats.org/presentationml/2006/main">
-  <p:cSld>
-    <p:spTree>
-      <p:nvGrpSpPr>
-        <p:cNvPr id="1" name=""/>
-        <p:cNvGrpSpPr/>
-        <p:nvPr/>
-      </p:nvGrpSpPr>
-      <p:grpSpPr>
-        <a:xfrm>
-          <a:off x="0" y="0"/>
-          <a:ext cx="0" cy="0"/>
-          <a:chOff x="0" y="0"/>
-          <a:chExt cx="0" cy="0"/>
-        </a:xfrm>
-      </p:grpSpPr>
-      <p:sp>
-        <p:nvSpPr>
           <p:cNvPr id="181250" name="Slide Image Placeholder 1"/>
           <p:cNvSpPr>
             <a:spLocks noGrp="1" noRot="1" noChangeAspect="1" noTextEdit="1"/>
@@ -1323,7 +1078,7 @@
 </p:notes>
 </file>
 
-<file path=ppt/notesSlides/notesSlide3.xml><?xml version="1.0" encoding="utf-8"?>
+<file path=ppt/notesSlides/notesSlide2.xml><?xml version="1.0" encoding="utf-8"?>
 <p:notes xmlns:a="http://schemas.openxmlformats.org/drawingml/2006/main" xmlns:r="http://schemas.openxmlformats.org/officeDocument/2006/relationships" xmlns:p="http://schemas.openxmlformats.org/presentationml/2006/main">
   <p:cSld>
     <p:spTree>
@@ -1566,7 +1321,7 @@
 
 <file path=ppt/slideLayouts/slideLayout1.xml><?xml version="1.0" encoding="utf-8"?>
 <p:sldLayout xmlns:a="http://schemas.openxmlformats.org/drawingml/2006/main" xmlns:r="http://schemas.openxmlformats.org/officeDocument/2006/relationships" xmlns:p="http://schemas.openxmlformats.org/presentationml/2006/main" showMasterSp="0" type="title" preserve="1">
-  <p:cSld name="Title Slide">
+  <p:cSld name="EPRI Title Slide">
     <p:spTree>
       <p:nvGrpSpPr>
         <p:cNvPr id="1" name=""/>
@@ -1583,61 +1338,40 @@
       </p:grpSpPr>
       <p:pic>
         <p:nvPicPr>
-          <p:cNvPr id="4" name="Picture 4" descr="EPRI logo_RGB_4"/>
+          <p:cNvPr id="2" name="Picture 1"/>
           <p:cNvPicPr>
-            <a:picLocks noChangeAspect="1" noChangeArrowheads="1"/>
+            <a:picLocks noChangeAspect="1"/>
           </p:cNvPicPr>
           <p:nvPr/>
         </p:nvPicPr>
         <p:blipFill>
-          <a:blip r:embed="rId2">
+          <a:blip r:embed="rId2" cstate="email">
             <a:extLst>
               <a:ext uri="{28A0092B-C50C-407E-A947-70E740481C1C}">
-                <a14:useLocalDpi xmlns:a14="http://schemas.microsoft.com/office/drawing/2010/main" val="0"/>
+                <a14:useLocalDpi xmlns:a14="http://schemas.microsoft.com/office/drawing/2010/main"/>
               </a:ext>
             </a:extLst>
           </a:blip>
-          <a:srcRect/>
           <a:stretch>
             <a:fillRect/>
           </a:stretch>
         </p:blipFill>
-        <p:spPr bwMode="auto">
+        <p:spPr>
           <a:xfrm>
-            <a:off x="6278563" y="739775"/>
-            <a:ext cx="2359025" cy="384175"/>
+            <a:off x="4937760" y="1188720"/>
+            <a:ext cx="4206240" cy="2587752"/>
           </a:xfrm>
           <a:prstGeom prst="rect">
             <a:avLst/>
           </a:prstGeom>
-          <a:noFill/>
-          <a:ln>
-            <a:noFill/>
-          </a:ln>
-          <a:extLst>
-            <a:ext uri="{909E8E84-426E-40DD-AFC4-6F175D3DCCD1}">
-              <a14:hiddenFill xmlns:a14="http://schemas.microsoft.com/office/drawing/2010/main">
-                <a:solidFill>
-                  <a:srgbClr val="FFFFFF"/>
-                </a:solidFill>
-              </a14:hiddenFill>
-            </a:ext>
-            <a:ext uri="{91240B29-F687-4F45-9708-019B960494DF}">
-              <a14:hiddenLine xmlns:a14="http://schemas.microsoft.com/office/drawing/2010/main" w="9525">
-                <a:solidFill>
-                  <a:srgbClr val="000000"/>
-                </a:solidFill>
-                <a:miter lim="800000"/>
-                <a:headEnd/>
-                <a:tailEnd/>
-              </a14:hiddenLine>
-            </a:ext>
-          </a:extLst>
+          <a:effectLst>
+            <a:reflection blurRad="6350" stA="35000" endPos="35000" dir="5400000" sy="-100000" algn="bl" rotWithShape="0"/>
+          </a:effectLst>
         </p:spPr>
       </p:pic>
       <p:sp>
         <p:nvSpPr>
-          <p:cNvPr id="40962" name="Rectangle 2"/>
+          <p:cNvPr id="28708" name="Rectangle 36"/>
           <p:cNvSpPr>
             <a:spLocks noGrp="1" noChangeArrowheads="1"/>
           </p:cNvSpPr>
@@ -1647,17 +1381,29 @@
         </p:nvSpPr>
         <p:spPr>
           <a:xfrm>
-            <a:off x="3746500" y="4478338"/>
-            <a:ext cx="4935538" cy="2011362"/>
+            <a:off x="274320" y="3931920"/>
+            <a:ext cx="4572000" cy="2743200"/>
           </a:xfrm>
+          <a:ln>
+            <a:noFill/>
+          </a:ln>
         </p:spPr>
         <p:txBody>
-          <a:bodyPr/>
+          <a:bodyPr>
+            <a:normAutofit/>
+          </a:bodyPr>
           <a:lstStyle>
-            <a:lvl1pPr marL="0" indent="0">
+            <a:lvl1pPr marL="0" indent="0" algn="r">
+              <a:spcAft>
+                <a:spcPts val="1200"/>
+              </a:spcAft>
               <a:buFontTx/>
               <a:buNone/>
-              <a:defRPr sz="2000"/>
+              <a:defRPr sz="1800">
+                <a:solidFill>
+                  <a:schemeClr val="tx1"/>
+                </a:solidFill>
+              </a:defRPr>
             </a:lvl1pPr>
           </a:lstStyle>
           <a:p>
@@ -1665,12 +1411,13 @@
               <a:rPr lang="en-US"/>
               <a:t>Click to edit Master subtitle style</a:t>
             </a:r>
+            <a:endParaRPr lang="en-US" dirty="0"/>
           </a:p>
         </p:txBody>
       </p:sp>
       <p:sp>
         <p:nvSpPr>
-          <p:cNvPr id="40963" name="Rectangle 3"/>
+          <p:cNvPr id="28707" name="Rectangle 35"/>
           <p:cNvSpPr>
             <a:spLocks noGrp="1" noChangeArrowheads="1"/>
           </p:cNvSpPr>
@@ -1680,15 +1427,27 @@
         </p:nvSpPr>
         <p:spPr>
           <a:xfrm>
-            <a:off x="3746500" y="2101850"/>
-            <a:ext cx="4935538" cy="2286000"/>
+            <a:off x="274320" y="1097280"/>
+            <a:ext cx="4572000" cy="2651760"/>
           </a:xfrm>
+          <a:ln>
+            <a:noFill/>
+          </a:ln>
         </p:spPr>
         <p:txBody>
-          <a:bodyPr anchor="t"/>
+          <a:bodyPr anchor="ctr">
+            <a:normAutofit/>
+          </a:bodyPr>
           <a:lstStyle>
-            <a:lvl1pPr>
-              <a:defRPr/>
+            <a:lvl1pPr algn="r">
+              <a:spcAft>
+                <a:spcPts val="600"/>
+              </a:spcAft>
+              <a:defRPr sz="3200">
+                <a:solidFill>
+                  <a:schemeClr val="tx2"/>
+                </a:solidFill>
+              </a:defRPr>
             </a:lvl1pPr>
           </a:lstStyle>
           <a:p>
@@ -1696,13 +1455,95 @@
               <a:rPr lang="en-US"/>
               <a:t>Click to edit Master title style</a:t>
             </a:r>
+            <a:endParaRPr lang="en-US" dirty="0"/>
           </a:p>
         </p:txBody>
       </p:sp>
+      <p:sp>
+        <p:nvSpPr>
+          <p:cNvPr id="8" name="Text Box 47"/>
+          <p:cNvSpPr txBox="1">
+            <a:spLocks noChangeArrowheads="1"/>
+          </p:cNvSpPr>
+          <p:nvPr/>
+        </p:nvSpPr>
+        <p:spPr bwMode="auto">
+          <a:xfrm>
+            <a:off x="6309360" y="6583680"/>
+            <a:ext cx="2763838" cy="198438"/>
+          </a:xfrm>
+          <a:prstGeom prst="rect">
+            <a:avLst/>
+          </a:prstGeom>
+          <a:noFill/>
+          <a:ln w="9525">
+            <a:noFill/>
+            <a:miter lim="800000"/>
+            <a:headEnd/>
+            <a:tailEnd/>
+          </a:ln>
+          <a:effectLst/>
+        </p:spPr>
+        <p:txBody>
+          <a:bodyPr wrap="none">
+            <a:spAutoFit/>
+          </a:bodyPr>
+          <a:lstStyle/>
+          <a:p>
+            <a:pPr algn="r">
+              <a:spcBef>
+                <a:spcPts val="0"/>
+              </a:spcBef>
+            </a:pPr>
+            <a:r>
+              <a:rPr lang="en-US" sz="700" dirty="0">
+                <a:solidFill>
+                  <a:schemeClr val="bg1">
+                    <a:lumMod val="50000"/>
+                  </a:schemeClr>
+                </a:solidFill>
+                <a:cs typeface="Arial" charset="0"/>
+              </a:rPr>
+              <a:t>© 2017 Electric Power Research Institute, Inc. All rights reserved.</a:t>
+            </a:r>
+            <a:endParaRPr lang="en-US" sz="700" dirty="0">
+              <a:solidFill>
+                <a:schemeClr val="bg1">
+                  <a:lumMod val="50000"/>
+                </a:schemeClr>
+              </a:solidFill>
+            </a:endParaRPr>
+          </a:p>
+        </p:txBody>
+      </p:sp>
+      <p:pic>
+        <p:nvPicPr>
+          <p:cNvPr id="9" name="Picture 8" descr="EPRI logo 2014_RGB_PPT-Large.jpg"/>
+          <p:cNvPicPr>
+            <a:picLocks noChangeAspect="1"/>
+          </p:cNvPicPr>
+          <p:nvPr/>
+        </p:nvPicPr>
+        <p:blipFill>
+          <a:blip r:embed="rId3" cstate="print"/>
+          <a:stretch>
+            <a:fillRect/>
+          </a:stretch>
+        </p:blipFill>
+        <p:spPr>
+          <a:xfrm>
+            <a:off x="6583680" y="365760"/>
+            <a:ext cx="2286000" cy="372289"/>
+          </a:xfrm>
+          <a:prstGeom prst="rect">
+            <a:avLst/>
+          </a:prstGeom>
+        </p:spPr>
+      </p:pic>
     </p:spTree>
     <p:extLst>
       <p:ext uri="{BB962C8B-B14F-4D97-AF65-F5344CB8AC3E}">
-        <p14:creationId xmlns:p14="http://schemas.microsoft.com/office/powerpoint/2010/main" val="94888899"/>
+        <p14:creationId xmlns:p14="http://schemas.microsoft.com/office/powerpoint/2010/main" val="4029844688"/>
       </p:ext>
     </p:extLst>
   </p:cSld>
@@ -1713,224 +1554,8 @@
 </file>
 
 <file path=ppt/slideLayouts/slideLayout10.xml><?xml version="1.0" encoding="utf-8"?>
-<p:sldLayout xmlns:a="http://schemas.openxmlformats.org/drawingml/2006/main" xmlns:r="http://schemas.openxmlformats.org/officeDocument/2006/relationships" xmlns:p="http://schemas.openxmlformats.org/presentationml/2006/main" type="vertTx" preserve="1">
-  <p:cSld name="Title and Vertical Text">
-    <p:spTree>
-      <p:nvGrpSpPr>
-        <p:cNvPr id="1" name=""/>
-        <p:cNvGrpSpPr/>
-        <p:nvPr/>
-      </p:nvGrpSpPr>
-      <p:grpSpPr>
-        <a:xfrm>
-          <a:off x="0" y="0"/>
-          <a:ext cx="0" cy="0"/>
-          <a:chOff x="0" y="0"/>
-          <a:chExt cx="0" cy="0"/>
-        </a:xfrm>
-      </p:grpSpPr>
-      <p:sp>
-        <p:nvSpPr>
-          <p:cNvPr id="2" name="Title 1"/>
-          <p:cNvSpPr>
-            <a:spLocks noGrp="1"/>
-          </p:cNvSpPr>
-          <p:nvPr>
-            <p:ph type="title"/>
-          </p:nvPr>
-        </p:nvSpPr>
-        <p:spPr/>
-        <p:txBody>
-          <a:bodyPr/>
-          <a:lstStyle/>
-          <a:p>
-            <a:r>
-              <a:rPr lang="en-US"/>
-              <a:t>Click to edit Master title style</a:t>
-            </a:r>
-          </a:p>
-        </p:txBody>
-      </p:sp>
-      <p:sp>
-        <p:nvSpPr>
-          <p:cNvPr id="3" name="Vertical Text Placeholder 2"/>
-          <p:cNvSpPr>
-            <a:spLocks noGrp="1"/>
-          </p:cNvSpPr>
-          <p:nvPr>
-            <p:ph type="body" orient="vert" idx="1"/>
-          </p:nvPr>
-        </p:nvSpPr>
-        <p:spPr/>
-        <p:txBody>
-          <a:bodyPr vert="eaVert"/>
-          <a:lstStyle/>
-          <a:p>
-            <a:pPr lvl="0"/>
-            <a:r>
-              <a:rPr lang="en-US"/>
-              <a:t>Click to edit Master text styles</a:t>
-            </a:r>
-          </a:p>
-          <a:p>
-            <a:pPr lvl="1"/>
-            <a:r>
-              <a:rPr lang="en-US"/>
-              <a:t>Second level</a:t>
-            </a:r>
-          </a:p>
-          <a:p>
-            <a:pPr lvl="2"/>
-            <a:r>
-              <a:rPr lang="en-US"/>
-              <a:t>Third level</a:t>
-            </a:r>
-          </a:p>
-          <a:p>
-            <a:pPr lvl="3"/>
-            <a:r>
-              <a:rPr lang="en-US"/>
-              <a:t>Fourth level</a:t>
-            </a:r>
-          </a:p>
-          <a:p>
-            <a:pPr lvl="4"/>
-            <a:r>
-              <a:rPr lang="en-US"/>
-              <a:t>Fifth level</a:t>
-            </a:r>
-          </a:p>
-        </p:txBody>
-      </p:sp>
-    </p:spTree>
-    <p:extLst>
-      <p:ext uri="{BB962C8B-B14F-4D97-AF65-F5344CB8AC3E}">
-        <p14:creationId xmlns:p14="http://schemas.microsoft.com/office/powerpoint/2010/main" val="1429922455"/>
-      </p:ext>
-    </p:extLst>
-  </p:cSld>
-  <p:clrMapOvr>
-    <a:masterClrMapping/>
-  </p:clrMapOvr>
-</p:sldLayout>
-</file>
-
-<file path=ppt/slideLayouts/slideLayout11.xml><?xml version="1.0" encoding="utf-8"?>
-<p:sldLayout xmlns:a="http://schemas.openxmlformats.org/drawingml/2006/main" xmlns:r="http://schemas.openxmlformats.org/officeDocument/2006/relationships" xmlns:p="http://schemas.openxmlformats.org/presentationml/2006/main" type="vertTitleAndTx" preserve="1">
-  <p:cSld name="Vertical Title and Text">
-    <p:spTree>
-      <p:nvGrpSpPr>
-        <p:cNvPr id="1" name=""/>
-        <p:cNvGrpSpPr/>
-        <p:nvPr/>
-      </p:nvGrpSpPr>
-      <p:grpSpPr>
-        <a:xfrm>
-          <a:off x="0" y="0"/>
-          <a:ext cx="0" cy="0"/>
-          <a:chOff x="0" y="0"/>
-          <a:chExt cx="0" cy="0"/>
-        </a:xfrm>
-      </p:grpSpPr>
-      <p:sp>
-        <p:nvSpPr>
-          <p:cNvPr id="2" name="Vertical Title 1"/>
-          <p:cNvSpPr>
-            <a:spLocks noGrp="1"/>
-          </p:cNvSpPr>
-          <p:nvPr>
-            <p:ph type="title" orient="vert"/>
-          </p:nvPr>
-        </p:nvSpPr>
-        <p:spPr>
-          <a:xfrm>
-            <a:off x="6627813" y="182563"/>
-            <a:ext cx="2055812" cy="6169025"/>
-          </a:xfrm>
-        </p:spPr>
-        <p:txBody>
-          <a:bodyPr vert="eaVert"/>
-          <a:lstStyle/>
-          <a:p>
-            <a:r>
-              <a:rPr lang="en-US"/>
-              <a:t>Click to edit Master title style</a:t>
-            </a:r>
-          </a:p>
-        </p:txBody>
-      </p:sp>
-      <p:sp>
-        <p:nvSpPr>
-          <p:cNvPr id="3" name="Vertical Text Placeholder 2"/>
-          <p:cNvSpPr>
-            <a:spLocks noGrp="1"/>
-          </p:cNvSpPr>
-          <p:nvPr>
-            <p:ph type="body" orient="vert" idx="1"/>
-          </p:nvPr>
-        </p:nvSpPr>
-        <p:spPr>
-          <a:xfrm>
-            <a:off x="457200" y="182563"/>
-            <a:ext cx="6018213" cy="6169025"/>
-          </a:xfrm>
-        </p:spPr>
-        <p:txBody>
-          <a:bodyPr vert="eaVert"/>
-          <a:lstStyle/>
-          <a:p>
-            <a:pPr lvl="0"/>
-            <a:r>
-              <a:rPr lang="en-US"/>
-              <a:t>Click to edit Master text styles</a:t>
-            </a:r>
-          </a:p>
-          <a:p>
-            <a:pPr lvl="1"/>
-            <a:r>
-              <a:rPr lang="en-US"/>
-              <a:t>Second level</a:t>
-            </a:r>
-          </a:p>
-          <a:p>
-            <a:pPr lvl="2"/>
-            <a:r>
-              <a:rPr lang="en-US"/>
-              <a:t>Third level</a:t>
-            </a:r>
-          </a:p>
-          <a:p>
-            <a:pPr lvl="3"/>
-            <a:r>
-              <a:rPr lang="en-US"/>
-              <a:t>Fourth level</a:t>
-            </a:r>
-          </a:p>
-          <a:p>
-            <a:pPr lvl="4"/>
-            <a:r>
-              <a:rPr lang="en-US"/>
-              <a:t>Fifth level</a:t>
-            </a:r>
-          </a:p>
-        </p:txBody>
-      </p:sp>
-    </p:spTree>
-    <p:extLst>
-      <p:ext uri="{BB962C8B-B14F-4D97-AF65-F5344CB8AC3E}">
-        <p14:creationId xmlns:p14="http://schemas.microsoft.com/office/powerpoint/2010/main" val="3470853701"/>
-      </p:ext>
-    </p:extLst>
-  </p:cSld>
-  <p:clrMapOvr>
-    <a:masterClrMapping/>
-  </p:clrMapOvr>
-</p:sldLayout>
-</file>
-
-<file path=ppt/slideLayouts/slideLayout12.xml><?xml version="1.0" encoding="utf-8"?>
-<p:sldLayout xmlns:a="http://schemas.openxmlformats.org/drawingml/2006/main" xmlns:r="http://schemas.openxmlformats.org/officeDocument/2006/relationships" xmlns:p="http://schemas.openxmlformats.org/presentationml/2006/main" type="txAndTwoObj" preserve="1">
-  <p:cSld name="Title, Text, and 2 Content">
+<p:sldLayout xmlns:a="http://schemas.openxmlformats.org/drawingml/2006/main" xmlns:r="http://schemas.openxmlformats.org/officeDocument/2006/relationships" xmlns:p="http://schemas.openxmlformats.org/presentationml/2006/main" type="titleOnly" preserve="1">
+  <p:cSld name="Title Only">
     <p:spTree>
       <p:nvGrpSpPr>
         <p:cNvPr id="1" name=""/>
@@ -1957,8 +1582,8 @@
         </p:nvSpPr>
         <p:spPr>
           <a:xfrm>
-            <a:off x="457200" y="182563"/>
-            <a:ext cx="8226425" cy="914400"/>
+            <a:off x="274320" y="182563"/>
+            <a:ext cx="8595360" cy="731520"/>
           </a:xfrm>
         </p:spPr>
         <p:txBody>
@@ -1972,178 +1597,10 @@
           </a:p>
         </p:txBody>
       </p:sp>
-      <p:sp>
-        <p:nvSpPr>
-          <p:cNvPr id="3" name="Text Placeholder 2"/>
-          <p:cNvSpPr>
-            <a:spLocks noGrp="1"/>
-          </p:cNvSpPr>
-          <p:nvPr>
-            <p:ph type="body" sz="half" idx="1"/>
-          </p:nvPr>
-        </p:nvSpPr>
-        <p:spPr>
-          <a:xfrm>
-            <a:off x="457200" y="1416050"/>
-            <a:ext cx="4037013" cy="4935538"/>
-          </a:xfrm>
-        </p:spPr>
-        <p:txBody>
-          <a:bodyPr/>
-          <a:lstStyle/>
-          <a:p>
-            <a:pPr lvl="0"/>
-            <a:r>
-              <a:rPr lang="en-US"/>
-              <a:t>Click to edit Master text styles</a:t>
-            </a:r>
-          </a:p>
-          <a:p>
-            <a:pPr lvl="1"/>
-            <a:r>
-              <a:rPr lang="en-US"/>
-              <a:t>Second level</a:t>
-            </a:r>
-          </a:p>
-          <a:p>
-            <a:pPr lvl="2"/>
-            <a:r>
-              <a:rPr lang="en-US"/>
-              <a:t>Third level</a:t>
-            </a:r>
-          </a:p>
-          <a:p>
-            <a:pPr lvl="3"/>
-            <a:r>
-              <a:rPr lang="en-US"/>
-              <a:t>Fourth level</a:t>
-            </a:r>
-          </a:p>
-          <a:p>
-            <a:pPr lvl="4"/>
-            <a:r>
-              <a:rPr lang="en-US"/>
-              <a:t>Fifth level</a:t>
-            </a:r>
-          </a:p>
-        </p:txBody>
-      </p:sp>
-      <p:sp>
-        <p:nvSpPr>
-          <p:cNvPr id="4" name="Content Placeholder 3"/>
-          <p:cNvSpPr>
-            <a:spLocks noGrp="1"/>
-          </p:cNvSpPr>
-          <p:nvPr>
-            <p:ph sz="quarter" idx="2"/>
-          </p:nvPr>
-        </p:nvSpPr>
-        <p:spPr>
-          <a:xfrm>
-            <a:off x="4646613" y="1416050"/>
-            <a:ext cx="4037012" cy="2390775"/>
-          </a:xfrm>
-        </p:spPr>
-        <p:txBody>
-          <a:bodyPr/>
-          <a:lstStyle/>
-          <a:p>
-            <a:pPr lvl="0"/>
-            <a:r>
-              <a:rPr lang="en-US"/>
-              <a:t>Click to edit Master text styles</a:t>
-            </a:r>
-          </a:p>
-          <a:p>
-            <a:pPr lvl="1"/>
-            <a:r>
-              <a:rPr lang="en-US"/>
-              <a:t>Second level</a:t>
-            </a:r>
-          </a:p>
-          <a:p>
-            <a:pPr lvl="2"/>
-            <a:r>
-              <a:rPr lang="en-US"/>
-              <a:t>Third level</a:t>
-            </a:r>
-          </a:p>
-          <a:p>
-            <a:pPr lvl="3"/>
-            <a:r>
-              <a:rPr lang="en-US"/>
-              <a:t>Fourth level</a:t>
-            </a:r>
-          </a:p>
-          <a:p>
-            <a:pPr lvl="4"/>
-            <a:r>
-              <a:rPr lang="en-US"/>
-              <a:t>Fifth level</a:t>
-            </a:r>
-          </a:p>
-        </p:txBody>
-      </p:sp>
-      <p:sp>
-        <p:nvSpPr>
-          <p:cNvPr id="5" name="Content Placeholder 4"/>
-          <p:cNvSpPr>
-            <a:spLocks noGrp="1"/>
-          </p:cNvSpPr>
-          <p:nvPr>
-            <p:ph sz="quarter" idx="3"/>
-          </p:nvPr>
-        </p:nvSpPr>
-        <p:spPr>
-          <a:xfrm>
-            <a:off x="4646613" y="3959225"/>
-            <a:ext cx="4037012" cy="2392363"/>
-          </a:xfrm>
-        </p:spPr>
-        <p:txBody>
-          <a:bodyPr/>
-          <a:lstStyle/>
-          <a:p>
-            <a:pPr lvl="0"/>
-            <a:r>
-              <a:rPr lang="en-US"/>
-              <a:t>Click to edit Master text styles</a:t>
-            </a:r>
-          </a:p>
-          <a:p>
-            <a:pPr lvl="1"/>
-            <a:r>
-              <a:rPr lang="en-US"/>
-              <a:t>Second level</a:t>
-            </a:r>
-          </a:p>
-          <a:p>
-            <a:pPr lvl="2"/>
-            <a:r>
-              <a:rPr lang="en-US"/>
-              <a:t>Third level</a:t>
-            </a:r>
-          </a:p>
-          <a:p>
-            <a:pPr lvl="3"/>
-            <a:r>
-              <a:rPr lang="en-US"/>
-              <a:t>Fourth level</a:t>
-            </a:r>
-          </a:p>
-          <a:p>
-            <a:pPr lvl="4"/>
-            <a:r>
-              <a:rPr lang="en-US"/>
-              <a:t>Fifth level</a:t>
-            </a:r>
-          </a:p>
-        </p:txBody>
-      </p:sp>
     </p:spTree>
     <p:extLst>
       <p:ext uri="{BB962C8B-B14F-4D97-AF65-F5344CB8AC3E}">
-        <p14:creationId xmlns:p14="http://schemas.microsoft.com/office/powerpoint/2010/main" val="4056858584"/>
+        <p14:creationId xmlns:p14="http://schemas.microsoft.com/office/powerpoint/2010/main" val="296337593"/>
       </p:ext>
     </p:extLst>
   </p:cSld>
@@ -2153,9 +1610,1049 @@
 </p:sldLayout>
 </file>
 
-<file path=ppt/slideLayouts/slideLayout13.xml><?xml version="1.0" encoding="utf-8"?>
-<p:sldLayout xmlns:a="http://schemas.openxmlformats.org/drawingml/2006/main" xmlns:r="http://schemas.openxmlformats.org/officeDocument/2006/relationships" xmlns:p="http://schemas.openxmlformats.org/presentationml/2006/main" type="txAndObj" preserve="1">
-  <p:cSld name="Title, Text, and Content">
+<file path=ppt/slideLayouts/slideLayout11.xml><?xml version="1.0" encoding="utf-8"?>
+<p:sldLayout xmlns:a="http://schemas.openxmlformats.org/drawingml/2006/main" xmlns:r="http://schemas.openxmlformats.org/officeDocument/2006/relationships" xmlns:p="http://schemas.openxmlformats.org/presentationml/2006/main" type="blank" preserve="1">
+  <p:cSld name="Blank">
+    <p:spTree>
+      <p:nvGrpSpPr>
+        <p:cNvPr id="1" name=""/>
+        <p:cNvGrpSpPr/>
+        <p:nvPr/>
+      </p:nvGrpSpPr>
+      <p:grpSpPr>
+        <a:xfrm>
+          <a:off x="0" y="0"/>
+          <a:ext cx="0" cy="0"/>
+          <a:chOff x="0" y="0"/>
+          <a:chExt cx="0" cy="0"/>
+        </a:xfrm>
+      </p:grpSpPr>
+    </p:spTree>
+    <p:extLst>
+      <p:ext uri="{BB962C8B-B14F-4D97-AF65-F5344CB8AC3E}">
+        <p14:creationId xmlns:p14="http://schemas.microsoft.com/office/powerpoint/2010/main" val="3353756103"/>
+      </p:ext>
+    </p:extLst>
+  </p:cSld>
+  <p:clrMapOvr>
+    <a:masterClrMapping/>
+  </p:clrMapOvr>
+</p:sldLayout>
+</file>
+
+<file path=ppt/slideLayouts/slideLayout12.xml><?xml version="1.0" encoding="utf-8"?>
+<p:sldLayout xmlns:a="http://schemas.openxmlformats.org/drawingml/2006/main" xmlns:r="http://schemas.openxmlformats.org/officeDocument/2006/relationships" xmlns:p="http://schemas.openxmlformats.org/presentationml/2006/main" preserve="1">
+  <p:cSld name="Closing Slide">
+    <p:spTree>
+      <p:nvGrpSpPr>
+        <p:cNvPr id="1" name=""/>
+        <p:cNvGrpSpPr/>
+        <p:nvPr/>
+      </p:nvGrpSpPr>
+      <p:grpSpPr>
+        <a:xfrm>
+          <a:off x="0" y="0"/>
+          <a:ext cx="0" cy="0"/>
+          <a:chOff x="0" y="0"/>
+          <a:chExt cx="0" cy="0"/>
+        </a:xfrm>
+      </p:grpSpPr>
+      <p:pic>
+        <p:nvPicPr>
+          <p:cNvPr id="2" name="Picture 1"/>
+          <p:cNvPicPr>
+            <a:picLocks noChangeAspect="1"/>
+          </p:cNvPicPr>
+          <p:nvPr/>
+        </p:nvPicPr>
+        <p:blipFill>
+          <a:blip r:embed="rId2" cstate="email">
+            <a:extLst>
+              <a:ext uri="{28A0092B-C50C-407E-A947-70E740481C1C}">
+                <a14:useLocalDpi xmlns:a14="http://schemas.microsoft.com/office/drawing/2010/main"/>
+              </a:ext>
+            </a:extLst>
+          </a:blip>
+          <a:stretch>
+            <a:fillRect/>
+          </a:stretch>
+        </p:blipFill>
+        <p:spPr>
+          <a:xfrm>
+            <a:off x="2834640" y="822960"/>
+            <a:ext cx="3474720" cy="2137709"/>
+          </a:xfrm>
+          <a:prstGeom prst="rect">
+            <a:avLst/>
+          </a:prstGeom>
+        </p:spPr>
+      </p:pic>
+      <p:sp>
+        <p:nvSpPr>
+          <p:cNvPr id="6" name="TextBox 5"/>
+          <p:cNvSpPr txBox="1"/>
+          <p:nvPr/>
+        </p:nvSpPr>
+        <p:spPr>
+          <a:xfrm>
+            <a:off x="365760" y="3200400"/>
+            <a:ext cx="8412480" cy="1371600"/>
+          </a:xfrm>
+          <a:prstGeom prst="rect">
+            <a:avLst/>
+          </a:prstGeom>
+          <a:noFill/>
+        </p:spPr>
+        <p:txBody>
+          <a:bodyPr wrap="none" rtlCol="0">
+            <a:noAutofit/>
+          </a:bodyPr>
+          <a:lstStyle/>
+          <a:p>
+            <a:pPr algn="ctr">
+              <a:spcBef>
+                <a:spcPts val="0"/>
+              </a:spcBef>
+            </a:pPr>
+            <a:r>
+              <a:rPr lang="en-US" sz="3000" b="1" dirty="0">
+                <a:solidFill>
+                  <a:schemeClr val="tx2"/>
+                </a:solidFill>
+              </a:rPr>
+              <a:t>Together…Shaping the Future of Electricity</a:t>
+            </a:r>
+          </a:p>
+        </p:txBody>
+      </p:sp>
+    </p:spTree>
+    <p:extLst>
+      <p:ext uri="{BB962C8B-B14F-4D97-AF65-F5344CB8AC3E}">
+        <p14:creationId xmlns:p14="http://schemas.microsoft.com/office/powerpoint/2010/main" val="3171327912"/>
+      </p:ext>
+    </p:extLst>
+  </p:cSld>
+  <p:clrMapOvr>
+    <a:masterClrMapping/>
+  </p:clrMapOvr>
+</p:sldLayout>
+</file>
+
+<file path=ppt/slideLayouts/slideLayout2.xml><?xml version="1.0" encoding="utf-8"?>
+<p:sldLayout xmlns:a="http://schemas.openxmlformats.org/drawingml/2006/main" xmlns:r="http://schemas.openxmlformats.org/officeDocument/2006/relationships" xmlns:p="http://schemas.openxmlformats.org/presentationml/2006/main" showMasterSp="0" type="title" preserve="1">
+  <p:cSld name="ENV Title Slide">
+    <p:spTree>
+      <p:nvGrpSpPr>
+        <p:cNvPr id="1" name=""/>
+        <p:cNvGrpSpPr/>
+        <p:nvPr/>
+      </p:nvGrpSpPr>
+      <p:grpSpPr>
+        <a:xfrm>
+          <a:off x="0" y="0"/>
+          <a:ext cx="0" cy="0"/>
+          <a:chOff x="0" y="0"/>
+          <a:chExt cx="0" cy="0"/>
+        </a:xfrm>
+      </p:grpSpPr>
+      <p:pic>
+        <p:nvPicPr>
+          <p:cNvPr id="2" name="Picture 1"/>
+          <p:cNvPicPr>
+            <a:picLocks noChangeAspect="1"/>
+          </p:cNvPicPr>
+          <p:nvPr/>
+        </p:nvPicPr>
+        <p:blipFill>
+          <a:blip r:embed="rId2" cstate="email">
+            <a:extLst>
+              <a:ext uri="{28A0092B-C50C-407E-A947-70E740481C1C}">
+                <a14:useLocalDpi xmlns:a14="http://schemas.microsoft.com/office/drawing/2010/main"/>
+              </a:ext>
+            </a:extLst>
+          </a:blip>
+          <a:stretch>
+            <a:fillRect/>
+          </a:stretch>
+        </p:blipFill>
+        <p:spPr>
+          <a:xfrm>
+            <a:off x="4937760" y="1188720"/>
+            <a:ext cx="4206240" cy="2587752"/>
+          </a:xfrm>
+          <a:prstGeom prst="rect">
+            <a:avLst/>
+          </a:prstGeom>
+          <a:effectLst>
+            <a:reflection blurRad="6350" stA="35000" endPos="35000" dir="5400000" sy="-100000" algn="bl" rotWithShape="0"/>
+          </a:effectLst>
+        </p:spPr>
+      </p:pic>
+      <p:sp>
+        <p:nvSpPr>
+          <p:cNvPr id="28708" name="Rectangle 36"/>
+          <p:cNvSpPr>
+            <a:spLocks noGrp="1" noChangeArrowheads="1"/>
+          </p:cNvSpPr>
+          <p:nvPr>
+            <p:ph type="subTitle" sz="quarter" idx="1"/>
+          </p:nvPr>
+        </p:nvSpPr>
+        <p:spPr>
+          <a:xfrm>
+            <a:off x="274320" y="3931920"/>
+            <a:ext cx="4572000" cy="2743200"/>
+          </a:xfrm>
+        </p:spPr>
+        <p:txBody>
+          <a:bodyPr>
+            <a:normAutofit/>
+          </a:bodyPr>
+          <a:lstStyle>
+            <a:lvl1pPr marL="0" indent="0" algn="r">
+              <a:spcAft>
+                <a:spcPts val="1200"/>
+              </a:spcAft>
+              <a:buFontTx/>
+              <a:buNone/>
+              <a:defRPr sz="1800">
+                <a:solidFill>
+                  <a:schemeClr val="tx1"/>
+                </a:solidFill>
+              </a:defRPr>
+            </a:lvl1pPr>
+          </a:lstStyle>
+          <a:p>
+            <a:r>
+              <a:rPr lang="en-US"/>
+              <a:t>Click to edit Master subtitle style</a:t>
+            </a:r>
+            <a:endParaRPr lang="en-US" dirty="0"/>
+          </a:p>
+        </p:txBody>
+      </p:sp>
+      <p:sp>
+        <p:nvSpPr>
+          <p:cNvPr id="28707" name="Rectangle 35"/>
+          <p:cNvSpPr>
+            <a:spLocks noGrp="1" noChangeArrowheads="1"/>
+          </p:cNvSpPr>
+          <p:nvPr>
+            <p:ph type="ctrTitle" sz="quarter"/>
+          </p:nvPr>
+        </p:nvSpPr>
+        <p:spPr>
+          <a:xfrm>
+            <a:off x="274320" y="1097280"/>
+            <a:ext cx="4572000" cy="2651760"/>
+          </a:xfrm>
+        </p:spPr>
+        <p:txBody>
+          <a:bodyPr anchor="ctr">
+            <a:normAutofit/>
+          </a:bodyPr>
+          <a:lstStyle>
+            <a:lvl1pPr algn="r">
+              <a:spcAft>
+                <a:spcPts val="600"/>
+              </a:spcAft>
+              <a:defRPr sz="3200">
+                <a:solidFill>
+                  <a:schemeClr val="tx2"/>
+                </a:solidFill>
+              </a:defRPr>
+            </a:lvl1pPr>
+          </a:lstStyle>
+          <a:p>
+            <a:r>
+              <a:rPr lang="en-US"/>
+              <a:t>Click to edit Master title style</a:t>
+            </a:r>
+            <a:endParaRPr lang="en-US" dirty="0"/>
+          </a:p>
+        </p:txBody>
+      </p:sp>
+      <p:sp>
+        <p:nvSpPr>
+          <p:cNvPr id="8" name="Text Box 47"/>
+          <p:cNvSpPr txBox="1">
+            <a:spLocks noChangeArrowheads="1"/>
+          </p:cNvSpPr>
+          <p:nvPr/>
+        </p:nvSpPr>
+        <p:spPr bwMode="auto">
+          <a:xfrm>
+            <a:off x="6309360" y="6583680"/>
+            <a:ext cx="2763838" cy="198438"/>
+          </a:xfrm>
+          <a:prstGeom prst="rect">
+            <a:avLst/>
+          </a:prstGeom>
+          <a:noFill/>
+          <a:ln w="9525">
+            <a:noFill/>
+            <a:miter lim="800000"/>
+            <a:headEnd/>
+            <a:tailEnd/>
+          </a:ln>
+          <a:effectLst/>
+        </p:spPr>
+        <p:txBody>
+          <a:bodyPr wrap="none">
+            <a:spAutoFit/>
+          </a:bodyPr>
+          <a:lstStyle/>
+          <a:p>
+            <a:pPr algn="r">
+              <a:spcBef>
+                <a:spcPts val="0"/>
+              </a:spcBef>
+            </a:pPr>
+            <a:r>
+              <a:rPr lang="en-US" sz="700" dirty="0">
+                <a:solidFill>
+                  <a:schemeClr val="bg1">
+                    <a:lumMod val="50000"/>
+                  </a:schemeClr>
+                </a:solidFill>
+                <a:cs typeface="Arial" charset="0"/>
+              </a:rPr>
+              <a:t>© 2017 Electric Power Research Institute, Inc. All rights reserved.</a:t>
+            </a:r>
+            <a:endParaRPr lang="en-US" sz="700" dirty="0">
+              <a:solidFill>
+                <a:schemeClr val="bg1">
+                  <a:lumMod val="50000"/>
+                </a:schemeClr>
+              </a:solidFill>
+            </a:endParaRPr>
+          </a:p>
+        </p:txBody>
+      </p:sp>
+      <p:pic>
+        <p:nvPicPr>
+          <p:cNvPr id="9" name="Picture 8" descr="EPRI logo 2014_RGB_PPT-Large.jpg"/>
+          <p:cNvPicPr>
+            <a:picLocks noChangeAspect="1"/>
+          </p:cNvPicPr>
+          <p:nvPr/>
+        </p:nvPicPr>
+        <p:blipFill>
+          <a:blip r:embed="rId3" cstate="print"/>
+          <a:stretch>
+            <a:fillRect/>
+          </a:stretch>
+        </p:blipFill>
+        <p:spPr>
+          <a:xfrm>
+            <a:off x="6583680" y="365760"/>
+            <a:ext cx="2286000" cy="372289"/>
+          </a:xfrm>
+          <a:prstGeom prst="rect">
+            <a:avLst/>
+          </a:prstGeom>
+        </p:spPr>
+      </p:pic>
+    </p:spTree>
+    <p:extLst>
+      <p:ext uri="{BB962C8B-B14F-4D97-AF65-F5344CB8AC3E}">
+        <p14:creationId xmlns:p14="http://schemas.microsoft.com/office/powerpoint/2010/main" val="3597635450"/>
+      </p:ext>
+    </p:extLst>
+  </p:cSld>
+  <p:clrMapOvr>
+    <a:masterClrMapping/>
+  </p:clrMapOvr>
+</p:sldLayout>
+</file>
+
+<file path=ppt/slideLayouts/slideLayout3.xml><?xml version="1.0" encoding="utf-8"?>
+<p:sldLayout xmlns:a="http://schemas.openxmlformats.org/drawingml/2006/main" xmlns:r="http://schemas.openxmlformats.org/officeDocument/2006/relationships" xmlns:p="http://schemas.openxmlformats.org/presentationml/2006/main" showMasterSp="0" type="title" preserve="1">
+  <p:cSld name="GEN Title Slide">
+    <p:spTree>
+      <p:nvGrpSpPr>
+        <p:cNvPr id="1" name=""/>
+        <p:cNvGrpSpPr/>
+        <p:nvPr/>
+      </p:nvGrpSpPr>
+      <p:grpSpPr>
+        <a:xfrm>
+          <a:off x="0" y="0"/>
+          <a:ext cx="0" cy="0"/>
+          <a:chOff x="0" y="0"/>
+          <a:chExt cx="0" cy="0"/>
+        </a:xfrm>
+      </p:grpSpPr>
+      <p:pic>
+        <p:nvPicPr>
+          <p:cNvPr id="2" name="Picture 1"/>
+          <p:cNvPicPr>
+            <a:picLocks noChangeAspect="1"/>
+          </p:cNvPicPr>
+          <p:nvPr/>
+        </p:nvPicPr>
+        <p:blipFill>
+          <a:blip r:embed="rId2" cstate="email">
+            <a:extLst>
+              <a:ext uri="{28A0092B-C50C-407E-A947-70E740481C1C}">
+                <a14:useLocalDpi xmlns:a14="http://schemas.microsoft.com/office/drawing/2010/main"/>
+              </a:ext>
+            </a:extLst>
+          </a:blip>
+          <a:stretch>
+            <a:fillRect/>
+          </a:stretch>
+        </p:blipFill>
+        <p:spPr>
+          <a:xfrm>
+            <a:off x="4937760" y="1188720"/>
+            <a:ext cx="4206240" cy="2587752"/>
+          </a:xfrm>
+          <a:prstGeom prst="rect">
+            <a:avLst/>
+          </a:prstGeom>
+          <a:effectLst>
+            <a:reflection blurRad="6350" stA="35000" endPos="35000" dir="5400000" sy="-100000" algn="bl" rotWithShape="0"/>
+          </a:effectLst>
+        </p:spPr>
+      </p:pic>
+      <p:sp>
+        <p:nvSpPr>
+          <p:cNvPr id="28708" name="Rectangle 36"/>
+          <p:cNvSpPr>
+            <a:spLocks noGrp="1" noChangeArrowheads="1"/>
+          </p:cNvSpPr>
+          <p:nvPr>
+            <p:ph type="subTitle" sz="quarter" idx="1"/>
+          </p:nvPr>
+        </p:nvSpPr>
+        <p:spPr>
+          <a:xfrm>
+            <a:off x="274320" y="3931920"/>
+            <a:ext cx="4572000" cy="2743200"/>
+          </a:xfrm>
+        </p:spPr>
+        <p:txBody>
+          <a:bodyPr>
+            <a:normAutofit/>
+          </a:bodyPr>
+          <a:lstStyle>
+            <a:lvl1pPr marL="0" indent="0" algn="r">
+              <a:spcAft>
+                <a:spcPts val="1200"/>
+              </a:spcAft>
+              <a:buFontTx/>
+              <a:buNone/>
+              <a:defRPr sz="1800">
+                <a:solidFill>
+                  <a:schemeClr val="tx1"/>
+                </a:solidFill>
+              </a:defRPr>
+            </a:lvl1pPr>
+          </a:lstStyle>
+          <a:p>
+            <a:r>
+              <a:rPr lang="en-US"/>
+              <a:t>Click to edit Master subtitle style</a:t>
+            </a:r>
+            <a:endParaRPr lang="en-US" dirty="0"/>
+          </a:p>
+        </p:txBody>
+      </p:sp>
+      <p:sp>
+        <p:nvSpPr>
+          <p:cNvPr id="28707" name="Rectangle 35"/>
+          <p:cNvSpPr>
+            <a:spLocks noGrp="1" noChangeArrowheads="1"/>
+          </p:cNvSpPr>
+          <p:nvPr>
+            <p:ph type="ctrTitle" sz="quarter"/>
+          </p:nvPr>
+        </p:nvSpPr>
+        <p:spPr>
+          <a:xfrm>
+            <a:off x="274320" y="1097280"/>
+            <a:ext cx="4572000" cy="2651760"/>
+          </a:xfrm>
+        </p:spPr>
+        <p:txBody>
+          <a:bodyPr anchor="ctr">
+            <a:normAutofit/>
+          </a:bodyPr>
+          <a:lstStyle>
+            <a:lvl1pPr algn="r">
+              <a:spcAft>
+                <a:spcPts val="600"/>
+              </a:spcAft>
+              <a:defRPr sz="3200">
+                <a:solidFill>
+                  <a:schemeClr val="tx2"/>
+                </a:solidFill>
+              </a:defRPr>
+            </a:lvl1pPr>
+          </a:lstStyle>
+          <a:p>
+            <a:r>
+              <a:rPr lang="en-US"/>
+              <a:t>Click to edit Master title style</a:t>
+            </a:r>
+            <a:endParaRPr lang="en-US" dirty="0"/>
+          </a:p>
+        </p:txBody>
+      </p:sp>
+      <p:sp>
+        <p:nvSpPr>
+          <p:cNvPr id="8" name="Text Box 47"/>
+          <p:cNvSpPr txBox="1">
+            <a:spLocks noChangeArrowheads="1"/>
+          </p:cNvSpPr>
+          <p:nvPr/>
+        </p:nvSpPr>
+        <p:spPr bwMode="auto">
+          <a:xfrm>
+            <a:off x="6309360" y="6583680"/>
+            <a:ext cx="2763838" cy="198438"/>
+          </a:xfrm>
+          <a:prstGeom prst="rect">
+            <a:avLst/>
+          </a:prstGeom>
+          <a:noFill/>
+          <a:ln w="9525">
+            <a:noFill/>
+            <a:miter lim="800000"/>
+            <a:headEnd/>
+            <a:tailEnd/>
+          </a:ln>
+          <a:effectLst/>
+        </p:spPr>
+        <p:txBody>
+          <a:bodyPr wrap="none">
+            <a:spAutoFit/>
+          </a:bodyPr>
+          <a:lstStyle/>
+          <a:p>
+            <a:pPr algn="r">
+              <a:spcBef>
+                <a:spcPts val="0"/>
+              </a:spcBef>
+            </a:pPr>
+            <a:r>
+              <a:rPr lang="en-US" sz="700" dirty="0">
+                <a:solidFill>
+                  <a:schemeClr val="bg1">
+                    <a:lumMod val="50000"/>
+                  </a:schemeClr>
+                </a:solidFill>
+                <a:cs typeface="Arial" charset="0"/>
+              </a:rPr>
+              <a:t>© 2017 Electric Power Research Institute, Inc. All rights reserved.</a:t>
+            </a:r>
+            <a:endParaRPr lang="en-US" sz="700" dirty="0">
+              <a:solidFill>
+                <a:schemeClr val="bg1">
+                  <a:lumMod val="50000"/>
+                </a:schemeClr>
+              </a:solidFill>
+            </a:endParaRPr>
+          </a:p>
+        </p:txBody>
+      </p:sp>
+      <p:pic>
+        <p:nvPicPr>
+          <p:cNvPr id="9" name="Picture 8" descr="EPRI logo 2014_RGB_PPT-Large.jpg"/>
+          <p:cNvPicPr>
+            <a:picLocks noChangeAspect="1"/>
+          </p:cNvPicPr>
+          <p:nvPr/>
+        </p:nvPicPr>
+        <p:blipFill>
+          <a:blip r:embed="rId3" cstate="print"/>
+          <a:stretch>
+            <a:fillRect/>
+          </a:stretch>
+        </p:blipFill>
+        <p:spPr>
+          <a:xfrm>
+            <a:off x="6583680" y="365760"/>
+            <a:ext cx="2286000" cy="372289"/>
+          </a:xfrm>
+          <a:prstGeom prst="rect">
+            <a:avLst/>
+          </a:prstGeom>
+        </p:spPr>
+      </p:pic>
+    </p:spTree>
+    <p:extLst>
+      <p:ext uri="{BB962C8B-B14F-4D97-AF65-F5344CB8AC3E}">
+        <p14:creationId xmlns:p14="http://schemas.microsoft.com/office/powerpoint/2010/main" val="2856452794"/>
+      </p:ext>
+    </p:extLst>
+  </p:cSld>
+  <p:clrMapOvr>
+    <a:masterClrMapping/>
+  </p:clrMapOvr>
+</p:sldLayout>
+</file>
+
+<file path=ppt/slideLayouts/slideLayout4.xml><?xml version="1.0" encoding="utf-8"?>
+<p:sldLayout xmlns:a="http://schemas.openxmlformats.org/drawingml/2006/main" xmlns:r="http://schemas.openxmlformats.org/officeDocument/2006/relationships" xmlns:p="http://schemas.openxmlformats.org/presentationml/2006/main" showMasterSp="0" type="title" preserve="1">
+  <p:cSld name="NUC Title Slide">
+    <p:spTree>
+      <p:nvGrpSpPr>
+        <p:cNvPr id="1" name=""/>
+        <p:cNvGrpSpPr/>
+        <p:nvPr/>
+      </p:nvGrpSpPr>
+      <p:grpSpPr>
+        <a:xfrm>
+          <a:off x="0" y="0"/>
+          <a:ext cx="0" cy="0"/>
+          <a:chOff x="0" y="0"/>
+          <a:chExt cx="0" cy="0"/>
+        </a:xfrm>
+      </p:grpSpPr>
+      <p:sp>
+        <p:nvSpPr>
+          <p:cNvPr id="28708" name="Rectangle 36"/>
+          <p:cNvSpPr>
+            <a:spLocks noGrp="1" noChangeArrowheads="1"/>
+          </p:cNvSpPr>
+          <p:nvPr>
+            <p:ph type="subTitle" sz="quarter" idx="1"/>
+          </p:nvPr>
+        </p:nvSpPr>
+        <p:spPr>
+          <a:xfrm>
+            <a:off x="274320" y="3931920"/>
+            <a:ext cx="4572000" cy="2743200"/>
+          </a:xfrm>
+        </p:spPr>
+        <p:txBody>
+          <a:bodyPr>
+            <a:normAutofit/>
+          </a:bodyPr>
+          <a:lstStyle>
+            <a:lvl1pPr marL="0" indent="0" algn="r">
+              <a:spcAft>
+                <a:spcPts val="1200"/>
+              </a:spcAft>
+              <a:buFontTx/>
+              <a:buNone/>
+              <a:defRPr sz="1800">
+                <a:solidFill>
+                  <a:schemeClr val="tx1"/>
+                </a:solidFill>
+              </a:defRPr>
+            </a:lvl1pPr>
+          </a:lstStyle>
+          <a:p>
+            <a:r>
+              <a:rPr lang="en-US"/>
+              <a:t>Click to edit Master subtitle style</a:t>
+            </a:r>
+            <a:endParaRPr lang="en-US" dirty="0"/>
+          </a:p>
+        </p:txBody>
+      </p:sp>
+      <p:sp>
+        <p:nvSpPr>
+          <p:cNvPr id="28707" name="Rectangle 35"/>
+          <p:cNvSpPr>
+            <a:spLocks noGrp="1" noChangeArrowheads="1"/>
+          </p:cNvSpPr>
+          <p:nvPr>
+            <p:ph type="ctrTitle" sz="quarter"/>
+          </p:nvPr>
+        </p:nvSpPr>
+        <p:spPr>
+          <a:xfrm>
+            <a:off x="274320" y="1097280"/>
+            <a:ext cx="4572000" cy="2651760"/>
+          </a:xfrm>
+        </p:spPr>
+        <p:txBody>
+          <a:bodyPr anchor="ctr">
+            <a:normAutofit/>
+          </a:bodyPr>
+          <a:lstStyle>
+            <a:lvl1pPr algn="r">
+              <a:spcAft>
+                <a:spcPts val="600"/>
+              </a:spcAft>
+              <a:defRPr sz="3200">
+                <a:solidFill>
+                  <a:schemeClr val="tx2"/>
+                </a:solidFill>
+              </a:defRPr>
+            </a:lvl1pPr>
+          </a:lstStyle>
+          <a:p>
+            <a:r>
+              <a:rPr lang="en-US"/>
+              <a:t>Click to edit Master title style</a:t>
+            </a:r>
+            <a:endParaRPr lang="en-US" dirty="0"/>
+          </a:p>
+        </p:txBody>
+      </p:sp>
+      <p:sp>
+        <p:nvSpPr>
+          <p:cNvPr id="8" name="Text Box 47"/>
+          <p:cNvSpPr txBox="1">
+            <a:spLocks noChangeArrowheads="1"/>
+          </p:cNvSpPr>
+          <p:nvPr/>
+        </p:nvSpPr>
+        <p:spPr bwMode="auto">
+          <a:xfrm>
+            <a:off x="6309360" y="6583680"/>
+            <a:ext cx="2763838" cy="198438"/>
+          </a:xfrm>
+          <a:prstGeom prst="rect">
+            <a:avLst/>
+          </a:prstGeom>
+          <a:noFill/>
+          <a:ln w="9525">
+            <a:noFill/>
+            <a:miter lim="800000"/>
+            <a:headEnd/>
+            <a:tailEnd/>
+          </a:ln>
+          <a:effectLst/>
+        </p:spPr>
+        <p:txBody>
+          <a:bodyPr wrap="none">
+            <a:spAutoFit/>
+          </a:bodyPr>
+          <a:lstStyle/>
+          <a:p>
+            <a:pPr algn="r">
+              <a:spcBef>
+                <a:spcPts val="0"/>
+              </a:spcBef>
+            </a:pPr>
+            <a:r>
+              <a:rPr lang="en-US" sz="700" dirty="0">
+                <a:solidFill>
+                  <a:schemeClr val="bg1">
+                    <a:lumMod val="50000"/>
+                  </a:schemeClr>
+                </a:solidFill>
+                <a:cs typeface="Arial" charset="0"/>
+              </a:rPr>
+              <a:t>© 2017 Electric Power Research Institute, Inc. All rights reserved.</a:t>
+            </a:r>
+            <a:endParaRPr lang="en-US" sz="700" dirty="0">
+              <a:solidFill>
+                <a:schemeClr val="bg1">
+                  <a:lumMod val="50000"/>
+                </a:schemeClr>
+              </a:solidFill>
+            </a:endParaRPr>
+          </a:p>
+        </p:txBody>
+      </p:sp>
+      <p:pic>
+        <p:nvPicPr>
+          <p:cNvPr id="2" name="Picture 1"/>
+          <p:cNvPicPr>
+            <a:picLocks noChangeAspect="1"/>
+          </p:cNvPicPr>
+          <p:nvPr/>
+        </p:nvPicPr>
+        <p:blipFill>
+          <a:blip r:embed="rId2" cstate="email">
+            <a:extLst>
+              <a:ext uri="{28A0092B-C50C-407E-A947-70E740481C1C}">
+                <a14:useLocalDpi xmlns:a14="http://schemas.microsoft.com/office/drawing/2010/main"/>
+              </a:ext>
+            </a:extLst>
+          </a:blip>
+          <a:stretch>
+            <a:fillRect/>
+          </a:stretch>
+        </p:blipFill>
+        <p:spPr>
+          <a:xfrm>
+            <a:off x="4937760" y="1188720"/>
+            <a:ext cx="4206240" cy="2587752"/>
+          </a:xfrm>
+          <a:prstGeom prst="rect">
+            <a:avLst/>
+          </a:prstGeom>
+          <a:effectLst>
+            <a:reflection blurRad="6350" stA="35000" endPos="35000" dir="5400000" sy="-100000" algn="bl" rotWithShape="0"/>
+          </a:effectLst>
+        </p:spPr>
+      </p:pic>
+      <p:pic>
+        <p:nvPicPr>
+          <p:cNvPr id="9" name="Picture 8" descr="EPRI logo 2014_RGB_PPT-Large.jpg"/>
+          <p:cNvPicPr>
+            <a:picLocks noChangeAspect="1"/>
+          </p:cNvPicPr>
+          <p:nvPr/>
+        </p:nvPicPr>
+        <p:blipFill>
+          <a:blip r:embed="rId3" cstate="print"/>
+          <a:stretch>
+            <a:fillRect/>
+          </a:stretch>
+        </p:blipFill>
+        <p:spPr>
+          <a:xfrm>
+            <a:off x="6583680" y="365760"/>
+            <a:ext cx="2286000" cy="372289"/>
+          </a:xfrm>
+          <a:prstGeom prst="rect">
+            <a:avLst/>
+          </a:prstGeom>
+        </p:spPr>
+      </p:pic>
+    </p:spTree>
+    <p:extLst>
+      <p:ext uri="{BB962C8B-B14F-4D97-AF65-F5344CB8AC3E}">
+        <p14:creationId xmlns:p14="http://schemas.microsoft.com/office/powerpoint/2010/main" val="3479500283"/>
+      </p:ext>
+    </p:extLst>
+  </p:cSld>
+  <p:clrMapOvr>
+    <a:masterClrMapping/>
+  </p:clrMapOvr>
+</p:sldLayout>
+</file>
+
+<file path=ppt/slideLayouts/slideLayout5.xml><?xml version="1.0" encoding="utf-8"?>
+<p:sldLayout xmlns:a="http://schemas.openxmlformats.org/drawingml/2006/main" xmlns:r="http://schemas.openxmlformats.org/officeDocument/2006/relationships" xmlns:p="http://schemas.openxmlformats.org/presentationml/2006/main" showMasterSp="0" type="title" preserve="1">
+  <p:cSld name="PDU Title Slide">
+    <p:spTree>
+      <p:nvGrpSpPr>
+        <p:cNvPr id="1" name=""/>
+        <p:cNvGrpSpPr/>
+        <p:nvPr/>
+      </p:nvGrpSpPr>
+      <p:grpSpPr>
+        <a:xfrm>
+          <a:off x="0" y="0"/>
+          <a:ext cx="0" cy="0"/>
+          <a:chOff x="0" y="0"/>
+          <a:chExt cx="0" cy="0"/>
+        </a:xfrm>
+      </p:grpSpPr>
+      <p:pic>
+        <p:nvPicPr>
+          <p:cNvPr id="2" name="Picture 1"/>
+          <p:cNvPicPr>
+            <a:picLocks noChangeAspect="1"/>
+          </p:cNvPicPr>
+          <p:nvPr/>
+        </p:nvPicPr>
+        <p:blipFill>
+          <a:blip r:embed="rId2" cstate="email">
+            <a:extLst>
+              <a:ext uri="{28A0092B-C50C-407E-A947-70E740481C1C}">
+                <a14:useLocalDpi xmlns:a14="http://schemas.microsoft.com/office/drawing/2010/main"/>
+              </a:ext>
+            </a:extLst>
+          </a:blip>
+          <a:stretch>
+            <a:fillRect/>
+          </a:stretch>
+        </p:blipFill>
+        <p:spPr>
+          <a:xfrm>
+            <a:off x="4937760" y="1188720"/>
+            <a:ext cx="4206240" cy="2587752"/>
+          </a:xfrm>
+          <a:prstGeom prst="rect">
+            <a:avLst/>
+          </a:prstGeom>
+          <a:effectLst>
+            <a:reflection blurRad="6350" stA="35000" endPos="35000" dir="5400000" sy="-100000" algn="bl" rotWithShape="0"/>
+          </a:effectLst>
+        </p:spPr>
+      </p:pic>
+      <p:sp>
+        <p:nvSpPr>
+          <p:cNvPr id="28708" name="Rectangle 36"/>
+          <p:cNvSpPr>
+            <a:spLocks noGrp="1" noChangeArrowheads="1"/>
+          </p:cNvSpPr>
+          <p:nvPr>
+            <p:ph type="subTitle" sz="quarter" idx="1"/>
+          </p:nvPr>
+        </p:nvSpPr>
+        <p:spPr>
+          <a:xfrm>
+            <a:off x="274320" y="3931920"/>
+            <a:ext cx="4572000" cy="2743200"/>
+          </a:xfrm>
+        </p:spPr>
+        <p:txBody>
+          <a:bodyPr>
+            <a:normAutofit/>
+          </a:bodyPr>
+          <a:lstStyle>
+            <a:lvl1pPr marL="0" indent="0" algn="r">
+              <a:spcAft>
+                <a:spcPts val="1200"/>
+              </a:spcAft>
+              <a:buFontTx/>
+              <a:buNone/>
+              <a:defRPr sz="1800">
+                <a:solidFill>
+                  <a:schemeClr val="tx1"/>
+                </a:solidFill>
+              </a:defRPr>
+            </a:lvl1pPr>
+          </a:lstStyle>
+          <a:p>
+            <a:r>
+              <a:rPr lang="en-US"/>
+              <a:t>Click to edit Master subtitle style</a:t>
+            </a:r>
+            <a:endParaRPr lang="en-US" dirty="0"/>
+          </a:p>
+        </p:txBody>
+      </p:sp>
+      <p:sp>
+        <p:nvSpPr>
+          <p:cNvPr id="28707" name="Rectangle 35"/>
+          <p:cNvSpPr>
+            <a:spLocks noGrp="1" noChangeArrowheads="1"/>
+          </p:cNvSpPr>
+          <p:nvPr>
+            <p:ph type="ctrTitle" sz="quarter"/>
+          </p:nvPr>
+        </p:nvSpPr>
+        <p:spPr>
+          <a:xfrm>
+            <a:off x="274320" y="1097280"/>
+            <a:ext cx="4572000" cy="2651760"/>
+          </a:xfrm>
+        </p:spPr>
+        <p:txBody>
+          <a:bodyPr anchor="ctr">
+            <a:normAutofit/>
+          </a:bodyPr>
+          <a:lstStyle>
+            <a:lvl1pPr algn="r">
+              <a:spcAft>
+                <a:spcPts val="600"/>
+              </a:spcAft>
+              <a:defRPr sz="3200">
+                <a:solidFill>
+                  <a:schemeClr val="tx2"/>
+                </a:solidFill>
+              </a:defRPr>
+            </a:lvl1pPr>
+          </a:lstStyle>
+          <a:p>
+            <a:r>
+              <a:rPr lang="en-US"/>
+              <a:t>Click to edit Master title style</a:t>
+            </a:r>
+            <a:endParaRPr lang="en-US" dirty="0"/>
+          </a:p>
+        </p:txBody>
+      </p:sp>
+      <p:sp>
+        <p:nvSpPr>
+          <p:cNvPr id="8" name="Text Box 47"/>
+          <p:cNvSpPr txBox="1">
+            <a:spLocks noChangeArrowheads="1"/>
+          </p:cNvSpPr>
+          <p:nvPr/>
+        </p:nvSpPr>
+        <p:spPr bwMode="auto">
+          <a:xfrm>
+            <a:off x="6309360" y="6583680"/>
+            <a:ext cx="2763838" cy="198438"/>
+          </a:xfrm>
+          <a:prstGeom prst="rect">
+            <a:avLst/>
+          </a:prstGeom>
+          <a:noFill/>
+          <a:ln w="9525">
+            <a:noFill/>
+            <a:miter lim="800000"/>
+            <a:headEnd/>
+            <a:tailEnd/>
+          </a:ln>
+          <a:effectLst/>
+        </p:spPr>
+        <p:txBody>
+          <a:bodyPr wrap="none">
+            <a:spAutoFit/>
+          </a:bodyPr>
+          <a:lstStyle/>
+          <a:p>
+            <a:pPr algn="r">
+              <a:spcBef>
+                <a:spcPts val="0"/>
+              </a:spcBef>
+            </a:pPr>
+            <a:r>
+              <a:rPr lang="en-US" sz="700" dirty="0">
+                <a:solidFill>
+                  <a:schemeClr val="bg1">
+                    <a:lumMod val="50000"/>
+                  </a:schemeClr>
+                </a:solidFill>
+                <a:cs typeface="Arial" charset="0"/>
+              </a:rPr>
+              <a:t>© 2017 Electric Power Research Institute, Inc. All rights reserved.</a:t>
+            </a:r>
+            <a:endParaRPr lang="en-US" sz="700" dirty="0">
+              <a:solidFill>
+                <a:schemeClr val="bg1">
+                  <a:lumMod val="50000"/>
+                </a:schemeClr>
+              </a:solidFill>
+            </a:endParaRPr>
+          </a:p>
+        </p:txBody>
+      </p:sp>
+      <p:pic>
+        <p:nvPicPr>
+          <p:cNvPr id="9" name="Picture 8" descr="EPRI logo 2014_RGB_PPT-Large.jpg"/>
+          <p:cNvPicPr>
+            <a:picLocks noChangeAspect="1"/>
+          </p:cNvPicPr>
+          <p:nvPr/>
+        </p:nvPicPr>
+        <p:blipFill>
+          <a:blip r:embed="rId3" cstate="print"/>
+          <a:stretch>
+            <a:fillRect/>
+          </a:stretch>
+        </p:blipFill>
+        <p:spPr>
+          <a:xfrm>
+            <a:off x="6583680" y="365760"/>
+            <a:ext cx="2286000" cy="372289"/>
+          </a:xfrm>
+          <a:prstGeom prst="rect">
+            <a:avLst/>
+          </a:prstGeom>
+        </p:spPr>
+      </p:pic>
+    </p:spTree>
+    <p:extLst>
+      <p:ext uri="{BB962C8B-B14F-4D97-AF65-F5344CB8AC3E}">
+        <p14:creationId xmlns:p14="http://schemas.microsoft.com/office/powerpoint/2010/main" val="564389185"/>
+      </p:ext>
+    </p:extLst>
+  </p:cSld>
+  <p:clrMapOvr>
+    <a:masterClrMapping/>
+  </p:clrMapOvr>
+</p:sldLayout>
+</file>
+
+<file path=ppt/slideLayouts/slideLayout6.xml><?xml version="1.0" encoding="utf-8"?>
+<p:sldLayout xmlns:a="http://schemas.openxmlformats.org/drawingml/2006/main" xmlns:r="http://schemas.openxmlformats.org/officeDocument/2006/relationships" xmlns:p="http://schemas.openxmlformats.org/presentationml/2006/main" type="obj" preserve="1">
+  <p:cSld name="Title and Content">
     <p:spTree>
       <p:nvGrpSpPr>
         <p:cNvPr id="1" name=""/>
@@ -2182,351 +2679,25 @@
         </p:nvSpPr>
         <p:spPr>
           <a:xfrm>
-            <a:off x="457200" y="182563"/>
-            <a:ext cx="8226425" cy="914400"/>
+            <a:off x="274320" y="182563"/>
+            <a:ext cx="8595360" cy="731520"/>
           </a:xfrm>
         </p:spPr>
         <p:txBody>
-          <a:bodyPr/>
-          <a:lstStyle/>
+          <a:bodyPr>
+            <a:normAutofit/>
+          </a:bodyPr>
+          <a:lstStyle>
+            <a:lvl1pPr>
+              <a:defRPr sz="2800"/>
+            </a:lvl1pPr>
+          </a:lstStyle>
           <a:p>
             <a:r>
               <a:rPr lang="en-US"/>
               <a:t>Click to edit Master title style</a:t>
             </a:r>
-          </a:p>
-        </p:txBody>
-      </p:sp>
-      <p:sp>
-        <p:nvSpPr>
-          <p:cNvPr id="3" name="Text Placeholder 2"/>
-          <p:cNvSpPr>
-            <a:spLocks noGrp="1"/>
-          </p:cNvSpPr>
-          <p:nvPr>
-            <p:ph type="body" sz="half" idx="1"/>
-          </p:nvPr>
-        </p:nvSpPr>
-        <p:spPr>
-          <a:xfrm>
-            <a:off x="457200" y="1416050"/>
-            <a:ext cx="4037013" cy="4935538"/>
-          </a:xfrm>
-        </p:spPr>
-        <p:txBody>
-          <a:bodyPr/>
-          <a:lstStyle/>
-          <a:p>
-            <a:pPr lvl="0"/>
-            <a:r>
-              <a:rPr lang="en-US"/>
-              <a:t>Click to edit Master text styles</a:t>
-            </a:r>
-          </a:p>
-          <a:p>
-            <a:pPr lvl="1"/>
-            <a:r>
-              <a:rPr lang="en-US"/>
-              <a:t>Second level</a:t>
-            </a:r>
-          </a:p>
-          <a:p>
-            <a:pPr lvl="2"/>
-            <a:r>
-              <a:rPr lang="en-US"/>
-              <a:t>Third level</a:t>
-            </a:r>
-          </a:p>
-          <a:p>
-            <a:pPr lvl="3"/>
-            <a:r>
-              <a:rPr lang="en-US"/>
-              <a:t>Fourth level</a:t>
-            </a:r>
-          </a:p>
-          <a:p>
-            <a:pPr lvl="4"/>
-            <a:r>
-              <a:rPr lang="en-US"/>
-              <a:t>Fifth level</a:t>
-            </a:r>
-          </a:p>
-        </p:txBody>
-      </p:sp>
-      <p:sp>
-        <p:nvSpPr>
-          <p:cNvPr id="4" name="Content Placeholder 3"/>
-          <p:cNvSpPr>
-            <a:spLocks noGrp="1"/>
-          </p:cNvSpPr>
-          <p:nvPr>
-            <p:ph sz="half" idx="2"/>
-          </p:nvPr>
-        </p:nvSpPr>
-        <p:spPr>
-          <a:xfrm>
-            <a:off x="4646613" y="1416050"/>
-            <a:ext cx="4037012" cy="4935538"/>
-          </a:xfrm>
-        </p:spPr>
-        <p:txBody>
-          <a:bodyPr/>
-          <a:lstStyle/>
-          <a:p>
-            <a:pPr lvl="0"/>
-            <a:r>
-              <a:rPr lang="en-US"/>
-              <a:t>Click to edit Master text styles</a:t>
-            </a:r>
-          </a:p>
-          <a:p>
-            <a:pPr lvl="1"/>
-            <a:r>
-              <a:rPr lang="en-US"/>
-              <a:t>Second level</a:t>
-            </a:r>
-          </a:p>
-          <a:p>
-            <a:pPr lvl="2"/>
-            <a:r>
-              <a:rPr lang="en-US"/>
-              <a:t>Third level</a:t>
-            </a:r>
-          </a:p>
-          <a:p>
-            <a:pPr lvl="3"/>
-            <a:r>
-              <a:rPr lang="en-US"/>
-              <a:t>Fourth level</a:t>
-            </a:r>
-          </a:p>
-          <a:p>
-            <a:pPr lvl="4"/>
-            <a:r>
-              <a:rPr lang="en-US"/>
-              <a:t>Fifth level</a:t>
-            </a:r>
-          </a:p>
-        </p:txBody>
-      </p:sp>
-    </p:spTree>
-    <p:extLst>
-      <p:ext uri="{BB962C8B-B14F-4D97-AF65-F5344CB8AC3E}">
-        <p14:creationId xmlns:p14="http://schemas.microsoft.com/office/powerpoint/2010/main" val="1469016642"/>
-      </p:ext>
-    </p:extLst>
-  </p:cSld>
-  <p:clrMapOvr>
-    <a:masterClrMapping/>
-  </p:clrMapOvr>
-</p:sldLayout>
-</file>
-
-<file path=ppt/slideLayouts/slideLayout14.xml><?xml version="1.0" encoding="utf-8"?>
-<p:sldLayout xmlns:a="http://schemas.openxmlformats.org/drawingml/2006/main" xmlns:r="http://schemas.openxmlformats.org/officeDocument/2006/relationships" xmlns:p="http://schemas.openxmlformats.org/presentationml/2006/main" type="txOverObj" preserve="1">
-  <p:cSld name="Title and Text over Content">
-    <p:spTree>
-      <p:nvGrpSpPr>
-        <p:cNvPr id="1" name=""/>
-        <p:cNvGrpSpPr/>
-        <p:nvPr/>
-      </p:nvGrpSpPr>
-      <p:grpSpPr>
-        <a:xfrm>
-          <a:off x="0" y="0"/>
-          <a:ext cx="0" cy="0"/>
-          <a:chOff x="0" y="0"/>
-          <a:chExt cx="0" cy="0"/>
-        </a:xfrm>
-      </p:grpSpPr>
-      <p:sp>
-        <p:nvSpPr>
-          <p:cNvPr id="2" name="Title 1"/>
-          <p:cNvSpPr>
-            <a:spLocks noGrp="1"/>
-          </p:cNvSpPr>
-          <p:nvPr>
-            <p:ph type="title"/>
-          </p:nvPr>
-        </p:nvSpPr>
-        <p:spPr>
-          <a:xfrm>
-            <a:off x="457200" y="182563"/>
-            <a:ext cx="8226425" cy="914400"/>
-          </a:xfrm>
-        </p:spPr>
-        <p:txBody>
-          <a:bodyPr/>
-          <a:lstStyle/>
-          <a:p>
-            <a:r>
-              <a:rPr lang="en-US"/>
-              <a:t>Click to edit Master title style</a:t>
-            </a:r>
-          </a:p>
-        </p:txBody>
-      </p:sp>
-      <p:sp>
-        <p:nvSpPr>
-          <p:cNvPr id="3" name="Text Placeholder 2"/>
-          <p:cNvSpPr>
-            <a:spLocks noGrp="1"/>
-          </p:cNvSpPr>
-          <p:nvPr>
-            <p:ph type="body" sz="half" idx="1"/>
-          </p:nvPr>
-        </p:nvSpPr>
-        <p:spPr>
-          <a:xfrm>
-            <a:off x="457200" y="1416050"/>
-            <a:ext cx="8226425" cy="2390775"/>
-          </a:xfrm>
-        </p:spPr>
-        <p:txBody>
-          <a:bodyPr/>
-          <a:lstStyle/>
-          <a:p>
-            <a:pPr lvl="0"/>
-            <a:r>
-              <a:rPr lang="en-US"/>
-              <a:t>Click to edit Master text styles</a:t>
-            </a:r>
-          </a:p>
-          <a:p>
-            <a:pPr lvl="1"/>
-            <a:r>
-              <a:rPr lang="en-US"/>
-              <a:t>Second level</a:t>
-            </a:r>
-          </a:p>
-          <a:p>
-            <a:pPr lvl="2"/>
-            <a:r>
-              <a:rPr lang="en-US"/>
-              <a:t>Third level</a:t>
-            </a:r>
-          </a:p>
-          <a:p>
-            <a:pPr lvl="3"/>
-            <a:r>
-              <a:rPr lang="en-US"/>
-              <a:t>Fourth level</a:t>
-            </a:r>
-          </a:p>
-          <a:p>
-            <a:pPr lvl="4"/>
-            <a:r>
-              <a:rPr lang="en-US"/>
-              <a:t>Fifth level</a:t>
-            </a:r>
-          </a:p>
-        </p:txBody>
-      </p:sp>
-      <p:sp>
-        <p:nvSpPr>
-          <p:cNvPr id="4" name="Content Placeholder 3"/>
-          <p:cNvSpPr>
-            <a:spLocks noGrp="1"/>
-          </p:cNvSpPr>
-          <p:nvPr>
-            <p:ph sz="half" idx="2"/>
-          </p:nvPr>
-        </p:nvSpPr>
-        <p:spPr>
-          <a:xfrm>
-            <a:off x="457200" y="3959225"/>
-            <a:ext cx="8226425" cy="2392363"/>
-          </a:xfrm>
-        </p:spPr>
-        <p:txBody>
-          <a:bodyPr/>
-          <a:lstStyle/>
-          <a:p>
-            <a:pPr lvl="0"/>
-            <a:r>
-              <a:rPr lang="en-US"/>
-              <a:t>Click to edit Master text styles</a:t>
-            </a:r>
-          </a:p>
-          <a:p>
-            <a:pPr lvl="1"/>
-            <a:r>
-              <a:rPr lang="en-US"/>
-              <a:t>Second level</a:t>
-            </a:r>
-          </a:p>
-          <a:p>
-            <a:pPr lvl="2"/>
-            <a:r>
-              <a:rPr lang="en-US"/>
-              <a:t>Third level</a:t>
-            </a:r>
-          </a:p>
-          <a:p>
-            <a:pPr lvl="3"/>
-            <a:r>
-              <a:rPr lang="en-US"/>
-              <a:t>Fourth level</a:t>
-            </a:r>
-          </a:p>
-          <a:p>
-            <a:pPr lvl="4"/>
-            <a:r>
-              <a:rPr lang="en-US"/>
-              <a:t>Fifth level</a:t>
-            </a:r>
-          </a:p>
-        </p:txBody>
-      </p:sp>
-    </p:spTree>
-    <p:extLst>
-      <p:ext uri="{BB962C8B-B14F-4D97-AF65-F5344CB8AC3E}">
-        <p14:creationId xmlns:p14="http://schemas.microsoft.com/office/powerpoint/2010/main" val="734515143"/>
-      </p:ext>
-    </p:extLst>
-  </p:cSld>
-  <p:clrMapOvr>
-    <a:masterClrMapping/>
-  </p:clrMapOvr>
-</p:sldLayout>
-</file>
-
-<file path=ppt/slideLayouts/slideLayout2.xml><?xml version="1.0" encoding="utf-8"?>
-<p:sldLayout xmlns:a="http://schemas.openxmlformats.org/drawingml/2006/main" xmlns:r="http://schemas.openxmlformats.org/officeDocument/2006/relationships" xmlns:p="http://schemas.openxmlformats.org/presentationml/2006/main" type="obj" preserve="1">
-  <p:cSld name="Title and Content">
-    <p:spTree>
-      <p:nvGrpSpPr>
-        <p:cNvPr id="1" name=""/>
-        <p:cNvGrpSpPr/>
-        <p:nvPr/>
-      </p:nvGrpSpPr>
-      <p:grpSpPr>
-        <a:xfrm>
-          <a:off x="0" y="0"/>
-          <a:ext cx="0" cy="0"/>
-          <a:chOff x="0" y="0"/>
-          <a:chExt cx="0" cy="0"/>
-        </a:xfrm>
-      </p:grpSpPr>
-      <p:sp>
-        <p:nvSpPr>
-          <p:cNvPr id="2" name="Title 1"/>
-          <p:cNvSpPr>
-            <a:spLocks noGrp="1"/>
-          </p:cNvSpPr>
-          <p:nvPr>
-            <p:ph type="title"/>
-          </p:nvPr>
-        </p:nvSpPr>
-        <p:spPr/>
-        <p:txBody>
-          <a:bodyPr/>
-          <a:lstStyle/>
-          <a:p>
-            <a:r>
-              <a:rPr lang="en-US" dirty="0"/>
-              <a:t>Click to edit Master title style</a:t>
-            </a:r>
+            <a:endParaRPr lang="en-US" dirty="0"/>
           </a:p>
         </p:txBody>
       </p:sp>
@@ -2540,7 +2711,12 @@
             <p:ph idx="1"/>
           </p:nvPr>
         </p:nvSpPr>
-        <p:spPr/>
+        <p:spPr>
+          <a:xfrm>
+            <a:off x="274320" y="1005840"/>
+            <a:ext cx="8595360" cy="5394960"/>
+          </a:xfrm>
+        </p:spPr>
         <p:txBody>
           <a:bodyPr/>
           <a:lstStyle/>
@@ -2548,7 +2724,7 @@
             <a:pPr lvl="0"/>
             <a:r>
               <a:rPr lang="en-US"/>
-              <a:t>Click to edit Master text styles</a:t>
+              <a:t>Edit Master text styles</a:t>
             </a:r>
           </a:p>
           <a:p>
@@ -2578,13 +2754,14 @@
               <a:rPr lang="en-US"/>
               <a:t>Fifth level</a:t>
             </a:r>
+            <a:endParaRPr lang="en-US" dirty="0"/>
           </a:p>
         </p:txBody>
       </p:sp>
     </p:spTree>
     <p:extLst>
       <p:ext uri="{BB962C8B-B14F-4D97-AF65-F5344CB8AC3E}">
-        <p14:creationId xmlns:p14="http://schemas.microsoft.com/office/powerpoint/2010/main" val="1301771389"/>
+        <p14:creationId xmlns:p14="http://schemas.microsoft.com/office/powerpoint/2010/main" val="859361513"/>
       </p:ext>
     </p:extLst>
   </p:cSld>
@@ -2594,7 +2771,7 @@
 </p:sldLayout>
 </file>
 
-<file path=ppt/slideLayouts/slideLayout3.xml><?xml version="1.0" encoding="utf-8"?>
+<file path=ppt/slideLayouts/slideLayout7.xml><?xml version="1.0" encoding="utf-8"?>
 <p:sldLayout xmlns:a="http://schemas.openxmlformats.org/drawingml/2006/main" xmlns:r="http://schemas.openxmlformats.org/officeDocument/2006/relationships" xmlns:p="http://schemas.openxmlformats.org/presentationml/2006/main" type="secHead" preserve="1">
   <p:cSld name="Section Header">
     <p:spTree>
@@ -2618,26 +2795,26 @@
             <a:spLocks noGrp="1"/>
           </p:cNvSpPr>
           <p:nvPr>
-            <p:ph type="title"/>
+            <p:ph type="title" hasCustomPrompt="1"/>
           </p:nvPr>
         </p:nvSpPr>
         <p:spPr>
           <a:xfrm>
-            <a:off x="722313" y="4406900"/>
-            <a:ext cx="7772400" cy="1362075"/>
+            <a:off x="365760" y="1920240"/>
+            <a:ext cx="8412480" cy="1371600"/>
           </a:xfrm>
         </p:spPr>
         <p:txBody>
           <a:bodyPr anchor="t"/>
           <a:lstStyle>
-            <a:lvl1pPr algn="l">
-              <a:defRPr sz="4000" b="1" cap="all"/>
+            <a:lvl1pPr algn="ctr">
+              <a:defRPr sz="3200" b="1" cap="none"/>
             </a:lvl1pPr>
           </a:lstStyle>
           <a:p>
             <a:r>
-              <a:rPr lang="en-US"/>
-              <a:t>Click to edit Master title style</a:t>
+              <a:rPr lang="en-US" dirty="0"/>
+              <a:t>Click To Edit Master Title Style</a:t>
             </a:r>
           </a:p>
         </p:txBody>
@@ -2654,14 +2831,16 @@
         </p:nvSpPr>
         <p:spPr>
           <a:xfrm>
-            <a:off x="722313" y="2906713"/>
-            <a:ext cx="7772400" cy="1500187"/>
+            <a:off x="365760" y="3383280"/>
+            <a:ext cx="8412480" cy="1554480"/>
           </a:xfrm>
         </p:spPr>
         <p:txBody>
-          <a:bodyPr anchor="b"/>
+          <a:bodyPr anchor="t">
+            <a:normAutofit/>
+          </a:bodyPr>
           <a:lstStyle>
-            <a:lvl1pPr marL="0" indent="0">
+            <a:lvl1pPr marL="0" indent="0" algn="ctr">
               <a:buNone/>
               <a:defRPr sz="2000"/>
             </a:lvl1pPr>
@@ -2702,7 +2881,7 @@
             <a:pPr lvl="0"/>
             <a:r>
               <a:rPr lang="en-US"/>
-              <a:t>Click to edit Master text styles</a:t>
+              <a:t>Edit Master text styles</a:t>
             </a:r>
           </a:p>
         </p:txBody>
@@ -2710,7 +2889,7 @@
     </p:spTree>
     <p:extLst>
       <p:ext uri="{BB962C8B-B14F-4D97-AF65-F5344CB8AC3E}">
-        <p14:creationId xmlns:p14="http://schemas.microsoft.com/office/powerpoint/2010/main" val="1667678165"/>
+        <p14:creationId xmlns:p14="http://schemas.microsoft.com/office/powerpoint/2010/main" val="3863484467"/>
       </p:ext>
     </p:extLst>
   </p:cSld>
@@ -2720,7 +2899,7 @@
 </p:sldLayout>
 </file>
 
-<file path=ppt/slideLayouts/slideLayout4.xml><?xml version="1.0" encoding="utf-8"?>
+<file path=ppt/slideLayouts/slideLayout8.xml><?xml version="1.0" encoding="utf-8"?>
 <p:sldLayout xmlns:a="http://schemas.openxmlformats.org/drawingml/2006/main" xmlns:r="http://schemas.openxmlformats.org/officeDocument/2006/relationships" xmlns:p="http://schemas.openxmlformats.org/presentationml/2006/main" type="twoObj" preserve="1">
   <p:cSld name="Two Content">
     <p:spTree>
@@ -2756,6 +2935,7 @@
               <a:rPr lang="en-US"/>
               <a:t>Click to edit Master title style</a:t>
             </a:r>
+            <a:endParaRPr lang="en-US" dirty="0"/>
           </a:p>
         </p:txBody>
       </p:sp>
@@ -2771,21 +2951,21 @@
         </p:nvSpPr>
         <p:spPr>
           <a:xfrm>
-            <a:off x="457200" y="1416050"/>
-            <a:ext cx="4037013" cy="4935538"/>
+            <a:off x="274320" y="1005840"/>
+            <a:ext cx="4206240" cy="5394960"/>
           </a:xfrm>
         </p:spPr>
         <p:txBody>
           <a:bodyPr/>
           <a:lstStyle>
             <a:lvl1pPr>
-              <a:defRPr sz="2800"/>
+              <a:defRPr sz="2000"/>
             </a:lvl1pPr>
             <a:lvl2pPr>
-              <a:defRPr sz="2400"/>
+              <a:defRPr sz="1800"/>
             </a:lvl2pPr>
             <a:lvl3pPr>
-              <a:defRPr sz="2000"/>
+              <a:defRPr sz="1800"/>
             </a:lvl3pPr>
             <a:lvl4pPr>
               <a:defRPr sz="1800"/>
@@ -2810,7 +2990,7 @@
             <a:pPr lvl="0"/>
             <a:r>
               <a:rPr lang="en-US"/>
-              <a:t>Click to edit Master text styles</a:t>
+              <a:t>Edit Master text styles</a:t>
             </a:r>
           </a:p>
           <a:p>
@@ -2840,6 +3020,7 @@
               <a:rPr lang="en-US"/>
               <a:t>Fifth level</a:t>
             </a:r>
+            <a:endParaRPr lang="en-US" dirty="0"/>
           </a:p>
         </p:txBody>
       </p:sp>
@@ -2855,21 +3036,21 @@
         </p:nvSpPr>
         <p:spPr>
           <a:xfrm>
-            <a:off x="4646613" y="1416050"/>
-            <a:ext cx="4037012" cy="4935538"/>
+            <a:off x="4663440" y="1005840"/>
+            <a:ext cx="4206240" cy="5394960"/>
           </a:xfrm>
         </p:spPr>
         <p:txBody>
           <a:bodyPr/>
           <a:lstStyle>
             <a:lvl1pPr>
-              <a:defRPr sz="2800"/>
+              <a:defRPr sz="2000"/>
             </a:lvl1pPr>
             <a:lvl2pPr>
-              <a:defRPr sz="2400"/>
+              <a:defRPr sz="1800"/>
             </a:lvl2pPr>
             <a:lvl3pPr>
-              <a:defRPr sz="2000"/>
+              <a:defRPr sz="1800"/>
             </a:lvl3pPr>
             <a:lvl4pPr>
               <a:defRPr sz="1800"/>
@@ -2894,7 +3075,7 @@
             <a:pPr lvl="0"/>
             <a:r>
               <a:rPr lang="en-US"/>
-              <a:t>Click to edit Master text styles</a:t>
+              <a:t>Edit Master text styles</a:t>
             </a:r>
           </a:p>
           <a:p>
@@ -2924,13 +3105,14 @@
               <a:rPr lang="en-US"/>
               <a:t>Fifth level</a:t>
             </a:r>
+            <a:endParaRPr lang="en-US" dirty="0"/>
           </a:p>
         </p:txBody>
       </p:sp>
     </p:spTree>
     <p:extLst>
       <p:ext uri="{BB962C8B-B14F-4D97-AF65-F5344CB8AC3E}">
-        <p14:creationId xmlns:p14="http://schemas.microsoft.com/office/powerpoint/2010/main" val="408352548"/>
+        <p14:creationId xmlns:p14="http://schemas.microsoft.com/office/powerpoint/2010/main" val="749580415"/>
       </p:ext>
     </p:extLst>
   </p:cSld>
@@ -2940,7 +3122,7 @@
 </p:sldLayout>
 </file>
 
-<file path=ppt/slideLayouts/slideLayout5.xml><?xml version="1.0" encoding="utf-8"?>
+<file path=ppt/slideLayouts/slideLayout9.xml><?xml version="1.0" encoding="utf-8"?>
 <p:sldLayout xmlns:a="http://schemas.openxmlformats.org/drawingml/2006/main" xmlns:r="http://schemas.openxmlformats.org/officeDocument/2006/relationships" xmlns:p="http://schemas.openxmlformats.org/presentationml/2006/main" type="twoTxTwoObj" preserve="1">
   <p:cSld name="Comparison">
     <p:spTree>
@@ -2969,8 +3151,8 @@
         </p:nvSpPr>
         <p:spPr>
           <a:xfrm>
-            <a:off x="457200" y="274638"/>
-            <a:ext cx="8229600" cy="1143000"/>
+            <a:off x="274320" y="182880"/>
+            <a:ext cx="8595360" cy="731520"/>
           </a:xfrm>
         </p:spPr>
         <p:txBody>
@@ -3000,8 +3182,8 @@
         </p:nvSpPr>
         <p:spPr>
           <a:xfrm>
-            <a:off x="457200" y="1535113"/>
-            <a:ext cx="4040188" cy="639762"/>
+            <a:off x="274320" y="1005840"/>
+            <a:ext cx="4206240" cy="639762"/>
           </a:xfrm>
         </p:spPr>
         <p:txBody>
@@ -3009,7 +3191,9 @@
           <a:lstStyle>
             <a:lvl1pPr marL="0" indent="0">
               <a:buNone/>
-              <a:defRPr sz="2400" b="1"/>
+              <a:defRPr sz="2000" b="1">
+                <a:latin typeface="Arial Narrow" panose="020B0606020202030204" pitchFamily="34" charset="0"/>
+              </a:defRPr>
             </a:lvl1pPr>
             <a:lvl2pPr marL="457200" indent="0">
               <a:buNone/>
@@ -3048,7 +3232,7 @@
             <a:pPr lvl="0"/>
             <a:r>
               <a:rPr lang="en-US"/>
-              <a:t>Click to edit Master text styles</a:t>
+              <a:t>Edit Master text styles</a:t>
             </a:r>
           </a:p>
         </p:txBody>
@@ -3065,27 +3249,27 @@
         </p:nvSpPr>
         <p:spPr>
           <a:xfrm>
-            <a:off x="457200" y="2174875"/>
-            <a:ext cx="4040188" cy="3951288"/>
+            <a:off x="274320" y="1737360"/>
+            <a:ext cx="4206240" cy="4663440"/>
           </a:xfrm>
         </p:spPr>
         <p:txBody>
           <a:bodyPr/>
           <a:lstStyle>
             <a:lvl1pPr>
-              <a:defRPr sz="2400"/>
+              <a:defRPr sz="2000"/>
             </a:lvl1pPr>
             <a:lvl2pPr>
-              <a:defRPr sz="2000"/>
+              <a:defRPr sz="1800"/>
             </a:lvl2pPr>
             <a:lvl3pPr>
               <a:defRPr sz="1800"/>
             </a:lvl3pPr>
             <a:lvl4pPr>
-              <a:defRPr sz="1600"/>
+              <a:defRPr sz="1800"/>
             </a:lvl4pPr>
             <a:lvl5pPr>
-              <a:defRPr sz="1600"/>
+              <a:defRPr sz="1800"/>
             </a:lvl5pPr>
             <a:lvl6pPr>
               <a:defRPr sz="1600"/>
@@ -3104,7 +3288,7 @@
             <a:pPr lvl="0"/>
             <a:r>
               <a:rPr lang="en-US"/>
-              <a:t>Click to edit Master text styles</a:t>
+              <a:t>Edit Master text styles</a:t>
             </a:r>
           </a:p>
           <a:p>
@@ -3134,6 +3318,7 @@
               <a:rPr lang="en-US"/>
               <a:t>Fifth level</a:t>
             </a:r>
+            <a:endParaRPr lang="en-US" dirty="0"/>
           </a:p>
         </p:txBody>
       </p:sp>
@@ -3149,8 +3334,8 @@
         </p:nvSpPr>
         <p:spPr>
           <a:xfrm>
-            <a:off x="4645025" y="1535113"/>
-            <a:ext cx="4041775" cy="639762"/>
+            <a:off x="4663440" y="1005840"/>
+            <a:ext cx="4206240" cy="639762"/>
           </a:xfrm>
         </p:spPr>
         <p:txBody>
@@ -3158,7 +3343,9 @@
           <a:lstStyle>
             <a:lvl1pPr marL="0" indent="0">
               <a:buNone/>
-              <a:defRPr sz="2400" b="1"/>
+              <a:defRPr sz="2000" b="1">
+                <a:latin typeface="Arial Narrow" panose="020B0606020202030204" pitchFamily="34" charset="0"/>
+              </a:defRPr>
             </a:lvl1pPr>
             <a:lvl2pPr marL="457200" indent="0">
               <a:buNone/>
@@ -3197,7 +3384,7 @@
             <a:pPr lvl="0"/>
             <a:r>
               <a:rPr lang="en-US"/>
-              <a:t>Click to edit Master text styles</a:t>
+              <a:t>Edit Master text styles</a:t>
             </a:r>
           </a:p>
         </p:txBody>
@@ -3214,27 +3401,27 @@
         </p:nvSpPr>
         <p:spPr>
           <a:xfrm>
-            <a:off x="4645025" y="2174875"/>
-            <a:ext cx="4041775" cy="3951288"/>
+            <a:off x="4663439" y="1737360"/>
+            <a:ext cx="4206240" cy="4663440"/>
           </a:xfrm>
         </p:spPr>
         <p:txBody>
           <a:bodyPr/>
           <a:lstStyle>
             <a:lvl1pPr>
-              <a:defRPr sz="2400"/>
+              <a:defRPr sz="2000"/>
             </a:lvl1pPr>
             <a:lvl2pPr>
-              <a:defRPr sz="2000"/>
+              <a:defRPr sz="1800"/>
             </a:lvl2pPr>
             <a:lvl3pPr>
               <a:defRPr sz="1800"/>
             </a:lvl3pPr>
             <a:lvl4pPr>
-              <a:defRPr sz="1600"/>
+              <a:defRPr sz="1800"/>
             </a:lvl4pPr>
             <a:lvl5pPr>
-              <a:defRPr sz="1600"/>
+              <a:defRPr sz="1800"/>
             </a:lvl5pPr>
             <a:lvl6pPr>
               <a:defRPr sz="1600"/>
@@ -3253,7 +3440,7 @@
             <a:pPr lvl="0"/>
             <a:r>
               <a:rPr lang="en-US"/>
-              <a:t>Click to edit Master text styles</a:t>
+              <a:t>Edit Master text styles</a:t>
             </a:r>
           </a:p>
           <a:p>
@@ -3283,493 +3470,14 @@
               <a:rPr lang="en-US"/>
               <a:t>Fifth level</a:t>
             </a:r>
+            <a:endParaRPr lang="en-US" dirty="0"/>
           </a:p>
         </p:txBody>
       </p:sp>
     </p:spTree>
     <p:extLst>
       <p:ext uri="{BB962C8B-B14F-4D97-AF65-F5344CB8AC3E}">
-        <p14:creationId xmlns:p14="http://schemas.microsoft.com/office/powerpoint/2010/main" val="422204201"/>
-      </p:ext>
-    </p:extLst>
-  </p:cSld>
-  <p:clrMapOvr>
-    <a:masterClrMapping/>
-  </p:clrMapOvr>
-</p:sldLayout>
-</file>
-
-<file path=ppt/slideLayouts/slideLayout6.xml><?xml version="1.0" encoding="utf-8"?>
-<p:sldLayout xmlns:a="http://schemas.openxmlformats.org/drawingml/2006/main" xmlns:r="http://schemas.openxmlformats.org/officeDocument/2006/relationships" xmlns:p="http://schemas.openxmlformats.org/presentationml/2006/main" type="titleOnly" preserve="1">
-  <p:cSld name="Title Only">
-    <p:spTree>
-      <p:nvGrpSpPr>
-        <p:cNvPr id="1" name=""/>
-        <p:cNvGrpSpPr/>
-        <p:nvPr/>
-      </p:nvGrpSpPr>
-      <p:grpSpPr>
-        <a:xfrm>
-          <a:off x="0" y="0"/>
-          <a:ext cx="0" cy="0"/>
-          <a:chOff x="0" y="0"/>
-          <a:chExt cx="0" cy="0"/>
-        </a:xfrm>
-      </p:grpSpPr>
-      <p:sp>
-        <p:nvSpPr>
-          <p:cNvPr id="2" name="Title 1"/>
-          <p:cNvSpPr>
-            <a:spLocks noGrp="1"/>
-          </p:cNvSpPr>
-          <p:nvPr>
-            <p:ph type="title"/>
-          </p:nvPr>
-        </p:nvSpPr>
-        <p:spPr/>
-        <p:txBody>
-          <a:bodyPr/>
-          <a:lstStyle/>
-          <a:p>
-            <a:r>
-              <a:rPr lang="en-US"/>
-              <a:t>Click to edit Master title style</a:t>
-            </a:r>
-          </a:p>
-        </p:txBody>
-      </p:sp>
-    </p:spTree>
-    <p:extLst>
-      <p:ext uri="{BB962C8B-B14F-4D97-AF65-F5344CB8AC3E}">
-        <p14:creationId xmlns:p14="http://schemas.microsoft.com/office/powerpoint/2010/main" val="1984316507"/>
-      </p:ext>
-    </p:extLst>
-  </p:cSld>
-  <p:clrMapOvr>
-    <a:masterClrMapping/>
-  </p:clrMapOvr>
-</p:sldLayout>
-</file>
-
-<file path=ppt/slideLayouts/slideLayout7.xml><?xml version="1.0" encoding="utf-8"?>
-<p:sldLayout xmlns:a="http://schemas.openxmlformats.org/drawingml/2006/main" xmlns:r="http://schemas.openxmlformats.org/officeDocument/2006/relationships" xmlns:p="http://schemas.openxmlformats.org/presentationml/2006/main" type="blank" preserve="1">
-  <p:cSld name="Blank">
-    <p:spTree>
-      <p:nvGrpSpPr>
-        <p:cNvPr id="1" name=""/>
-        <p:cNvGrpSpPr/>
-        <p:nvPr/>
-      </p:nvGrpSpPr>
-      <p:grpSpPr>
-        <a:xfrm>
-          <a:off x="0" y="0"/>
-          <a:ext cx="0" cy="0"/>
-          <a:chOff x="0" y="0"/>
-          <a:chExt cx="0" cy="0"/>
-        </a:xfrm>
-      </p:grpSpPr>
-    </p:spTree>
-    <p:extLst>
-      <p:ext uri="{BB962C8B-B14F-4D97-AF65-F5344CB8AC3E}">
-        <p14:creationId xmlns:p14="http://schemas.microsoft.com/office/powerpoint/2010/main" val="2639239625"/>
-      </p:ext>
-    </p:extLst>
-  </p:cSld>
-  <p:clrMapOvr>
-    <a:masterClrMapping/>
-  </p:clrMapOvr>
-</p:sldLayout>
-</file>
-
-<file path=ppt/slideLayouts/slideLayout8.xml><?xml version="1.0" encoding="utf-8"?>
-<p:sldLayout xmlns:a="http://schemas.openxmlformats.org/drawingml/2006/main" xmlns:r="http://schemas.openxmlformats.org/officeDocument/2006/relationships" xmlns:p="http://schemas.openxmlformats.org/presentationml/2006/main" type="objTx" preserve="1">
-  <p:cSld name="Content with Caption">
-    <p:spTree>
-      <p:nvGrpSpPr>
-        <p:cNvPr id="1" name=""/>
-        <p:cNvGrpSpPr/>
-        <p:nvPr/>
-      </p:nvGrpSpPr>
-      <p:grpSpPr>
-        <a:xfrm>
-          <a:off x="0" y="0"/>
-          <a:ext cx="0" cy="0"/>
-          <a:chOff x="0" y="0"/>
-          <a:chExt cx="0" cy="0"/>
-        </a:xfrm>
-      </p:grpSpPr>
-      <p:sp>
-        <p:nvSpPr>
-          <p:cNvPr id="2" name="Title 1"/>
-          <p:cNvSpPr>
-            <a:spLocks noGrp="1"/>
-          </p:cNvSpPr>
-          <p:nvPr>
-            <p:ph type="title"/>
-          </p:nvPr>
-        </p:nvSpPr>
-        <p:spPr>
-          <a:xfrm>
-            <a:off x="457200" y="273050"/>
-            <a:ext cx="3008313" cy="1162050"/>
-          </a:xfrm>
-        </p:spPr>
-        <p:txBody>
-          <a:bodyPr anchor="b"/>
-          <a:lstStyle>
-            <a:lvl1pPr algn="l">
-              <a:defRPr sz="2000" b="1"/>
-            </a:lvl1pPr>
-          </a:lstStyle>
-          <a:p>
-            <a:r>
-              <a:rPr lang="en-US"/>
-              <a:t>Click to edit Master title style</a:t>
-            </a:r>
-          </a:p>
-        </p:txBody>
-      </p:sp>
-      <p:sp>
-        <p:nvSpPr>
-          <p:cNvPr id="3" name="Content Placeholder 2"/>
-          <p:cNvSpPr>
-            <a:spLocks noGrp="1"/>
-          </p:cNvSpPr>
-          <p:nvPr>
-            <p:ph idx="1"/>
-          </p:nvPr>
-        </p:nvSpPr>
-        <p:spPr>
-          <a:xfrm>
-            <a:off x="3575050" y="273050"/>
-            <a:ext cx="5111750" cy="5853113"/>
-          </a:xfrm>
-        </p:spPr>
-        <p:txBody>
-          <a:bodyPr/>
-          <a:lstStyle>
-            <a:lvl1pPr>
-              <a:defRPr sz="3200"/>
-            </a:lvl1pPr>
-            <a:lvl2pPr>
-              <a:defRPr sz="2800"/>
-            </a:lvl2pPr>
-            <a:lvl3pPr>
-              <a:defRPr sz="2400"/>
-            </a:lvl3pPr>
-            <a:lvl4pPr>
-              <a:defRPr sz="2000"/>
-            </a:lvl4pPr>
-            <a:lvl5pPr>
-              <a:defRPr sz="2000"/>
-            </a:lvl5pPr>
-            <a:lvl6pPr>
-              <a:defRPr sz="2000"/>
-            </a:lvl6pPr>
-            <a:lvl7pPr>
-              <a:defRPr sz="2000"/>
-            </a:lvl7pPr>
-            <a:lvl8pPr>
-              <a:defRPr sz="2000"/>
-            </a:lvl8pPr>
-            <a:lvl9pPr>
-              <a:defRPr sz="2000"/>
-            </a:lvl9pPr>
-          </a:lstStyle>
-          <a:p>
-            <a:pPr lvl="0"/>
-            <a:r>
-              <a:rPr lang="en-US"/>
-              <a:t>Click to edit Master text styles</a:t>
-            </a:r>
-          </a:p>
-          <a:p>
-            <a:pPr lvl="1"/>
-            <a:r>
-              <a:rPr lang="en-US"/>
-              <a:t>Second level</a:t>
-            </a:r>
-          </a:p>
-          <a:p>
-            <a:pPr lvl="2"/>
-            <a:r>
-              <a:rPr lang="en-US"/>
-              <a:t>Third level</a:t>
-            </a:r>
-          </a:p>
-          <a:p>
-            <a:pPr lvl="3"/>
-            <a:r>
-              <a:rPr lang="en-US"/>
-              <a:t>Fourth level</a:t>
-            </a:r>
-          </a:p>
-          <a:p>
-            <a:pPr lvl="4"/>
-            <a:r>
-              <a:rPr lang="en-US"/>
-              <a:t>Fifth level</a:t>
-            </a:r>
-          </a:p>
-        </p:txBody>
-      </p:sp>
-      <p:sp>
-        <p:nvSpPr>
-          <p:cNvPr id="4" name="Text Placeholder 3"/>
-          <p:cNvSpPr>
-            <a:spLocks noGrp="1"/>
-          </p:cNvSpPr>
-          <p:nvPr>
-            <p:ph type="body" sz="half" idx="2"/>
-          </p:nvPr>
-        </p:nvSpPr>
-        <p:spPr>
-          <a:xfrm>
-            <a:off x="457200" y="1435100"/>
-            <a:ext cx="3008313" cy="4691063"/>
-          </a:xfrm>
-        </p:spPr>
-        <p:txBody>
-          <a:bodyPr/>
-          <a:lstStyle>
-            <a:lvl1pPr marL="0" indent="0">
-              <a:buNone/>
-              <a:defRPr sz="1400"/>
-            </a:lvl1pPr>
-            <a:lvl2pPr marL="457200" indent="0">
-              <a:buNone/>
-              <a:defRPr sz="1200"/>
-            </a:lvl2pPr>
-            <a:lvl3pPr marL="914400" indent="0">
-              <a:buNone/>
-              <a:defRPr sz="1000"/>
-            </a:lvl3pPr>
-            <a:lvl4pPr marL="1371600" indent="0">
-              <a:buNone/>
-              <a:defRPr sz="900"/>
-            </a:lvl4pPr>
-            <a:lvl5pPr marL="1828800" indent="0">
-              <a:buNone/>
-              <a:defRPr sz="900"/>
-            </a:lvl5pPr>
-            <a:lvl6pPr marL="2286000" indent="0">
-              <a:buNone/>
-              <a:defRPr sz="900"/>
-            </a:lvl6pPr>
-            <a:lvl7pPr marL="2743200" indent="0">
-              <a:buNone/>
-              <a:defRPr sz="900"/>
-            </a:lvl7pPr>
-            <a:lvl8pPr marL="3200400" indent="0">
-              <a:buNone/>
-              <a:defRPr sz="900"/>
-            </a:lvl8pPr>
-            <a:lvl9pPr marL="3657600" indent="0">
-              <a:buNone/>
-              <a:defRPr sz="900"/>
-            </a:lvl9pPr>
-          </a:lstStyle>
-          <a:p>
-            <a:pPr lvl="0"/>
-            <a:r>
-              <a:rPr lang="en-US"/>
-              <a:t>Click to edit Master text styles</a:t>
-            </a:r>
-          </a:p>
-        </p:txBody>
-      </p:sp>
-    </p:spTree>
-    <p:extLst>
-      <p:ext uri="{BB962C8B-B14F-4D97-AF65-F5344CB8AC3E}">
-        <p14:creationId xmlns:p14="http://schemas.microsoft.com/office/powerpoint/2010/main" val="1311669796"/>
-      </p:ext>
-    </p:extLst>
-  </p:cSld>
-  <p:clrMapOvr>
-    <a:masterClrMapping/>
-  </p:clrMapOvr>
-</p:sldLayout>
-</file>
-
-<file path=ppt/slideLayouts/slideLayout9.xml><?xml version="1.0" encoding="utf-8"?>
-<p:sldLayout xmlns:a="http://schemas.openxmlformats.org/drawingml/2006/main" xmlns:r="http://schemas.openxmlformats.org/officeDocument/2006/relationships" xmlns:p="http://schemas.openxmlformats.org/presentationml/2006/main" type="picTx" preserve="1">
-  <p:cSld name="Picture with Caption">
-    <p:spTree>
-      <p:nvGrpSpPr>
-        <p:cNvPr id="1" name=""/>
-        <p:cNvGrpSpPr/>
-        <p:nvPr/>
-      </p:nvGrpSpPr>
-      <p:grpSpPr>
-        <a:xfrm>
-          <a:off x="0" y="0"/>
-          <a:ext cx="0" cy="0"/>
-          <a:chOff x="0" y="0"/>
-          <a:chExt cx="0" cy="0"/>
-        </a:xfrm>
-      </p:grpSpPr>
-      <p:sp>
-        <p:nvSpPr>
-          <p:cNvPr id="2" name="Title 1"/>
-          <p:cNvSpPr>
-            <a:spLocks noGrp="1"/>
-          </p:cNvSpPr>
-          <p:nvPr>
-            <p:ph type="title"/>
-          </p:nvPr>
-        </p:nvSpPr>
-        <p:spPr>
-          <a:xfrm>
-            <a:off x="1792288" y="4800600"/>
-            <a:ext cx="5486400" cy="566738"/>
-          </a:xfrm>
-        </p:spPr>
-        <p:txBody>
-          <a:bodyPr anchor="b"/>
-          <a:lstStyle>
-            <a:lvl1pPr algn="l">
-              <a:defRPr sz="2000" b="1"/>
-            </a:lvl1pPr>
-          </a:lstStyle>
-          <a:p>
-            <a:r>
-              <a:rPr lang="en-US"/>
-              <a:t>Click to edit Master title style</a:t>
-            </a:r>
-          </a:p>
-        </p:txBody>
-      </p:sp>
-      <p:sp>
-        <p:nvSpPr>
-          <p:cNvPr id="3" name="Picture Placeholder 2"/>
-          <p:cNvSpPr>
-            <a:spLocks noGrp="1"/>
-          </p:cNvSpPr>
-          <p:nvPr>
-            <p:ph type="pic" idx="1"/>
-          </p:nvPr>
-        </p:nvSpPr>
-        <p:spPr>
-          <a:xfrm>
-            <a:off x="1792288" y="612775"/>
-            <a:ext cx="5486400" cy="4114800"/>
-          </a:xfrm>
-        </p:spPr>
-        <p:txBody>
-          <a:bodyPr/>
-          <a:lstStyle>
-            <a:lvl1pPr marL="0" indent="0">
-              <a:buNone/>
-              <a:defRPr sz="3200"/>
-            </a:lvl1pPr>
-            <a:lvl2pPr marL="457200" indent="0">
-              <a:buNone/>
-              <a:defRPr sz="2800"/>
-            </a:lvl2pPr>
-            <a:lvl3pPr marL="914400" indent="0">
-              <a:buNone/>
-              <a:defRPr sz="2400"/>
-            </a:lvl3pPr>
-            <a:lvl4pPr marL="1371600" indent="0">
-              <a:buNone/>
-              <a:defRPr sz="2000"/>
-            </a:lvl4pPr>
-            <a:lvl5pPr marL="1828800" indent="0">
-              <a:buNone/>
-              <a:defRPr sz="2000"/>
-            </a:lvl5pPr>
-            <a:lvl6pPr marL="2286000" indent="0">
-              <a:buNone/>
-              <a:defRPr sz="2000"/>
-            </a:lvl6pPr>
-            <a:lvl7pPr marL="2743200" indent="0">
-              <a:buNone/>
-              <a:defRPr sz="2000"/>
-            </a:lvl7pPr>
-            <a:lvl8pPr marL="3200400" indent="0">
-              <a:buNone/>
-              <a:defRPr sz="2000"/>
-            </a:lvl8pPr>
-            <a:lvl9pPr marL="3657600" indent="0">
-              <a:buNone/>
-              <a:defRPr sz="2000"/>
-            </a:lvl9pPr>
-          </a:lstStyle>
-          <a:p>
-            <a:pPr lvl="0"/>
-            <a:endParaRPr lang="en-US" noProof="0"/>
-          </a:p>
-        </p:txBody>
-      </p:sp>
-      <p:sp>
-        <p:nvSpPr>
-          <p:cNvPr id="4" name="Text Placeholder 3"/>
-          <p:cNvSpPr>
-            <a:spLocks noGrp="1"/>
-          </p:cNvSpPr>
-          <p:nvPr>
-            <p:ph type="body" sz="half" idx="2"/>
-          </p:nvPr>
-        </p:nvSpPr>
-        <p:spPr>
-          <a:xfrm>
-            <a:off x="1792288" y="5367338"/>
-            <a:ext cx="5486400" cy="804862"/>
-          </a:xfrm>
-        </p:spPr>
-        <p:txBody>
-          <a:bodyPr/>
-          <a:lstStyle>
-            <a:lvl1pPr marL="0" indent="0">
-              <a:buNone/>
-              <a:defRPr sz="1400"/>
-            </a:lvl1pPr>
-            <a:lvl2pPr marL="457200" indent="0">
-              <a:buNone/>
-              <a:defRPr sz="1200"/>
-            </a:lvl2pPr>
-            <a:lvl3pPr marL="914400" indent="0">
-              <a:buNone/>
-              <a:defRPr sz="1000"/>
-            </a:lvl3pPr>
-            <a:lvl4pPr marL="1371600" indent="0">
-              <a:buNone/>
-              <a:defRPr sz="900"/>
-            </a:lvl4pPr>
-            <a:lvl5pPr marL="1828800" indent="0">
-              <a:buNone/>
-              <a:defRPr sz="900"/>
-            </a:lvl5pPr>
-            <a:lvl6pPr marL="2286000" indent="0">
-              <a:buNone/>
-              <a:defRPr sz="900"/>
-            </a:lvl6pPr>
-            <a:lvl7pPr marL="2743200" indent="0">
-              <a:buNone/>
-              <a:defRPr sz="900"/>
-            </a:lvl7pPr>
-            <a:lvl8pPr marL="3200400" indent="0">
-              <a:buNone/>
-              <a:defRPr sz="900"/>
-            </a:lvl8pPr>
-            <a:lvl9pPr marL="3657600" indent="0">
-              <a:buNone/>
-              <a:defRPr sz="900"/>
-            </a:lvl9pPr>
-          </a:lstStyle>
-          <a:p>
-            <a:pPr lvl="0"/>
-            <a:r>
-              <a:rPr lang="en-US"/>
-              <a:t>Click to edit Master text styles</a:t>
-            </a:r>
-          </a:p>
-        </p:txBody>
-      </p:sp>
-    </p:spTree>
-    <p:extLst>
-      <p:ext uri="{BB962C8B-B14F-4D97-AF65-F5344CB8AC3E}">
-        <p14:creationId xmlns:p14="http://schemas.microsoft.com/office/powerpoint/2010/main" val="993959470"/>
+        <p14:creationId xmlns:p14="http://schemas.microsoft.com/office/powerpoint/2010/main" val="113702669"/>
       </p:ext>
     </p:extLst>
   </p:cSld>
@@ -3780,7 +3488,7 @@
 </file>
 
 <file path=ppt/slideMasters/slideMaster1.xml><?xml version="1.0" encoding="utf-8"?>
-<p:sldMaster xmlns:a="http://schemas.openxmlformats.org/drawingml/2006/main" xmlns:r="http://schemas.openxmlformats.org/officeDocument/2006/relationships" xmlns:p="http://schemas.openxmlformats.org/presentationml/2006/main">
+<p:sldMaster xmlns:a="http://schemas.openxmlformats.org/drawingml/2006/main" xmlns:r="http://schemas.openxmlformats.org/officeDocument/2006/relationships" xmlns:p="http://schemas.openxmlformats.org/presentationml/2006/main" preserve="1">
   <p:cSld>
     <p:bg>
       <p:bgPr>
@@ -3806,55 +3514,7 @@
       </p:grpSpPr>
       <p:sp>
         <p:nvSpPr>
-          <p:cNvPr id="39938" name="Rectangle 2"/>
-          <p:cNvSpPr>
-            <a:spLocks noChangeArrowheads="1"/>
-          </p:cNvSpPr>
-          <p:nvPr/>
-        </p:nvSpPr>
-        <p:spPr bwMode="auto">
-          <a:xfrm>
-            <a:off x="227013" y="1150938"/>
-            <a:ext cx="8739187" cy="128587"/>
-          </a:xfrm>
-          <a:prstGeom prst="rect">
-            <a:avLst/>
-          </a:prstGeom>
-          <a:gradFill rotWithShape="1">
-            <a:gsLst>
-              <a:gs pos="0">
-                <a:srgbClr val="0000C5">
-                  <a:alpha val="89999"/>
-                </a:srgbClr>
-              </a:gs>
-              <a:gs pos="100000">
-                <a:srgbClr val="FFFFFF"/>
-              </a:gs>
-            </a:gsLst>
-            <a:lin ang="0" scaled="1"/>
-          </a:gradFill>
-          <a:ln w="9525" algn="ctr">
-            <a:noFill/>
-            <a:miter lim="800000"/>
-            <a:headEnd/>
-            <a:tailEnd/>
-          </a:ln>
-          <a:effectLst/>
-        </p:spPr>
-        <p:txBody>
-          <a:bodyPr wrap="none" anchor="ctr"/>
-          <a:lstStyle/>
-          <a:p>
-            <a:pPr>
-              <a:defRPr/>
-            </a:pPr>
-            <a:endParaRPr lang="en-US"/>
-          </a:p>
-        </p:txBody>
-      </p:sp>
-      <p:sp>
-        <p:nvSpPr>
-          <p:cNvPr id="39939" name="Text Box 3"/>
+          <p:cNvPr id="1060" name="Text Box 36"/>
           <p:cNvSpPr txBox="1">
             <a:spLocks noChangeArrowheads="1"/>
           </p:cNvSpPr>
@@ -3862,8 +3522,8 @@
         </p:nvSpPr>
         <p:spPr bwMode="auto">
           <a:xfrm>
-            <a:off x="5715000" y="6496965"/>
-            <a:ext cx="608013" cy="244475"/>
+            <a:off x="182880" y="6473711"/>
+            <a:ext cx="608013" cy="215444"/>
           </a:xfrm>
           <a:prstGeom prst="rect">
             <a:avLst/>
@@ -3881,117 +3541,33 @@
           <a:bodyPr>
             <a:spAutoFit/>
           </a:bodyPr>
-          <a:lstStyle>
-            <a:lvl1pPr>
-              <a:defRPr sz="1600">
+          <a:lstStyle/>
+          <a:p>
+            <a:pPr algn="l">
+              <a:spcBef>
+                <a:spcPts val="0"/>
+              </a:spcBef>
+            </a:pPr>
+            <a:fld id="{324FBA8B-C479-4BF9-A515-8ED623D42A4A}" type="slidenum">
+              <a:rPr lang="en-US" sz="800">
                 <a:solidFill>
-                  <a:srgbClr val="000000"/>
-                </a:solidFill>
-                <a:latin typeface="Arial" panose="020B0604020202020204" pitchFamily="34" charset="0"/>
-              </a:defRPr>
-            </a:lvl1pPr>
-            <a:lvl2pPr marL="742950" indent="-285750">
-              <a:defRPr sz="1600">
-                <a:solidFill>
-                  <a:srgbClr val="000000"/>
-                </a:solidFill>
-                <a:latin typeface="Arial" panose="020B0604020202020204" pitchFamily="34" charset="0"/>
-              </a:defRPr>
-            </a:lvl2pPr>
-            <a:lvl3pPr marL="1143000" indent="-228600">
-              <a:defRPr sz="1600">
-                <a:solidFill>
-                  <a:srgbClr val="000000"/>
-                </a:solidFill>
-                <a:latin typeface="Arial" panose="020B0604020202020204" pitchFamily="34" charset="0"/>
-              </a:defRPr>
-            </a:lvl3pPr>
-            <a:lvl4pPr marL="1600200" indent="-228600">
-              <a:defRPr sz="1600">
-                <a:solidFill>
-                  <a:srgbClr val="000000"/>
-                </a:solidFill>
-                <a:latin typeface="Arial" panose="020B0604020202020204" pitchFamily="34" charset="0"/>
-              </a:defRPr>
-            </a:lvl4pPr>
-            <a:lvl5pPr marL="2057400" indent="-228600">
-              <a:defRPr sz="1600">
-                <a:solidFill>
-                  <a:srgbClr val="000000"/>
-                </a:solidFill>
-                <a:latin typeface="Arial" panose="020B0604020202020204" pitchFamily="34" charset="0"/>
-              </a:defRPr>
-            </a:lvl5pPr>
-            <a:lvl6pPr marL="2514600" indent="-228600" algn="ctr" eaLnBrk="0" fontAlgn="base" hangingPunct="0">
-              <a:spcBef>
-                <a:spcPct val="50000"/>
-              </a:spcBef>
-              <a:spcAft>
-                <a:spcPct val="0"/>
-              </a:spcAft>
-              <a:defRPr sz="1600">
-                <a:solidFill>
-                  <a:srgbClr val="000000"/>
-                </a:solidFill>
-                <a:latin typeface="Arial" panose="020B0604020202020204" pitchFamily="34" charset="0"/>
-              </a:defRPr>
-            </a:lvl6pPr>
-            <a:lvl7pPr marL="2971800" indent="-228600" algn="ctr" eaLnBrk="0" fontAlgn="base" hangingPunct="0">
-              <a:spcBef>
-                <a:spcPct val="50000"/>
-              </a:spcBef>
-              <a:spcAft>
-                <a:spcPct val="0"/>
-              </a:spcAft>
-              <a:defRPr sz="1600">
-                <a:solidFill>
-                  <a:srgbClr val="000000"/>
-                </a:solidFill>
-                <a:latin typeface="Arial" panose="020B0604020202020204" pitchFamily="34" charset="0"/>
-              </a:defRPr>
-            </a:lvl7pPr>
-            <a:lvl8pPr marL="3429000" indent="-228600" algn="ctr" eaLnBrk="0" fontAlgn="base" hangingPunct="0">
-              <a:spcBef>
-                <a:spcPct val="50000"/>
-              </a:spcBef>
-              <a:spcAft>
-                <a:spcPct val="0"/>
-              </a:spcAft>
-              <a:defRPr sz="1600">
-                <a:solidFill>
-                  <a:srgbClr val="000000"/>
-                </a:solidFill>
-                <a:latin typeface="Arial" panose="020B0604020202020204" pitchFamily="34" charset="0"/>
-              </a:defRPr>
-            </a:lvl8pPr>
-            <a:lvl9pPr marL="3886200" indent="-228600" algn="ctr" eaLnBrk="0" fontAlgn="base" hangingPunct="0">
-              <a:spcBef>
-                <a:spcPct val="50000"/>
-              </a:spcBef>
-              <a:spcAft>
-                <a:spcPct val="0"/>
-              </a:spcAft>
-              <a:defRPr sz="1600">
-                <a:solidFill>
-                  <a:srgbClr val="000000"/>
-                </a:solidFill>
-                <a:latin typeface="Arial" panose="020B0604020202020204" pitchFamily="34" charset="0"/>
-              </a:defRPr>
-            </a:lvl9pPr>
-          </a:lstStyle>
-          <a:p>
-            <a:fld id="{5540AA9E-D953-411D-97D2-46A36523897E}" type="slidenum">
-              <a:rPr lang="en-US" altLang="en-US" sz="1000">
-                <a:solidFill>
-                  <a:srgbClr val="4D4D4D"/>
+                  <a:schemeClr val="bg1">
+                    <a:lumMod val="50000"/>
+                  </a:schemeClr>
                 </a:solidFill>
               </a:rPr>
-              <a:pPr/>
+              <a:pPr algn="l">
+                <a:spcBef>
+                  <a:spcPts val="0"/>
+                </a:spcBef>
+              </a:pPr>
               <a:t>‹#›</a:t>
             </a:fld>
-            <a:endParaRPr lang="en-US" altLang="en-US" sz="1000" dirty="0">
+            <a:endParaRPr lang="en-US" sz="800" dirty="0">
               <a:solidFill>
-                <a:srgbClr val="4D4D4D"/>
+                <a:schemeClr val="bg1">
+                  <a:lumMod val="50000"/>
+                </a:schemeClr>
               </a:solidFill>
             </a:endParaRPr>
           </a:p>
@@ -3999,7 +3575,7 @@
       </p:sp>
       <p:sp>
         <p:nvSpPr>
-          <p:cNvPr id="5124" name="Rectangle 4"/>
+          <p:cNvPr id="1026" name="Rectangle 2"/>
           <p:cNvSpPr>
             <a:spLocks noGrp="1" noChangeArrowheads="1"/>
           </p:cNvSpPr>
@@ -4009,55 +3585,42 @@
         </p:nvSpPr>
         <p:spPr bwMode="auto">
           <a:xfrm>
-            <a:off x="457200" y="182563"/>
-            <a:ext cx="8226425" cy="914400"/>
+            <a:off x="274320" y="182563"/>
+            <a:ext cx="8595360" cy="731520"/>
           </a:xfrm>
           <a:prstGeom prst="rect">
             <a:avLst/>
           </a:prstGeom>
           <a:noFill/>
-          <a:ln>
+          <a:ln w="9525">
             <a:noFill/>
+            <a:miter lim="800000"/>
+            <a:headEnd/>
+            <a:tailEnd/>
           </a:ln>
-          <a:extLst>
-            <a:ext uri="{909E8E84-426E-40DD-AFC4-6F175D3DCCD1}">
-              <a14:hiddenFill xmlns:a14="http://schemas.microsoft.com/office/drawing/2010/main">
-                <a:solidFill>
-                  <a:srgbClr val="FFFFFF"/>
-                </a:solidFill>
-              </a14:hiddenFill>
-            </a:ext>
-            <a:ext uri="{91240B29-F687-4F45-9708-019B960494DF}">
-              <a14:hiddenLine xmlns:a14="http://schemas.microsoft.com/office/drawing/2010/main" w="9525">
-                <a:solidFill>
-                  <a:srgbClr val="000000"/>
-                </a:solidFill>
-                <a:miter lim="800000"/>
-                <a:headEnd/>
-                <a:tailEnd/>
-              </a14:hiddenLine>
-            </a:ext>
-          </a:extLst>
+          <a:effectLst/>
         </p:spPr>
         <p:txBody>
-          <a:bodyPr vert="horz" wrap="square" lIns="91440" tIns="45720" rIns="91440" bIns="45720" numCol="1" anchor="ctr" anchorCtr="0" compatLnSpc="1">
+          <a:bodyPr vert="horz" wrap="square" lIns="91440" tIns="45720" rIns="91440" bIns="45720" numCol="1" anchor="t" anchorCtr="0" compatLnSpc="1">
             <a:prstTxWarp prst="textNoShape">
               <a:avLst/>
             </a:prstTxWarp>
+            <a:normAutofit/>
           </a:bodyPr>
           <a:lstStyle/>
           <a:p>
             <a:pPr lvl="0"/>
             <a:r>
-              <a:rPr lang="en-US" altLang="en-US"/>
+              <a:rPr lang="en-US"/>
               <a:t>Click to edit Master title style</a:t>
             </a:r>
+            <a:endParaRPr lang="en-US" dirty="0"/>
           </a:p>
         </p:txBody>
       </p:sp>
       <p:sp>
         <p:nvSpPr>
-          <p:cNvPr id="5125" name="Rectangle 5"/>
+          <p:cNvPr id="1027" name="Rectangle 3"/>
           <p:cNvSpPr>
             <a:spLocks noGrp="1" noChangeArrowheads="1"/>
           </p:cNvSpPr>
@@ -4067,107 +3630,13 @@
         </p:nvSpPr>
         <p:spPr bwMode="auto">
           <a:xfrm>
-            <a:off x="457200" y="1416050"/>
-            <a:ext cx="8226425" cy="4935538"/>
+            <a:off x="274320" y="1005840"/>
+            <a:ext cx="8595360" cy="5394960"/>
           </a:xfrm>
           <a:prstGeom prst="rect">
             <a:avLst/>
           </a:prstGeom>
           <a:noFill/>
-          <a:ln>
-            <a:noFill/>
-          </a:ln>
-          <a:extLst>
-            <a:ext uri="{909E8E84-426E-40DD-AFC4-6F175D3DCCD1}">
-              <a14:hiddenFill xmlns:a14="http://schemas.microsoft.com/office/drawing/2010/main">
-                <a:solidFill>
-                  <a:srgbClr val="FFFFFF"/>
-                </a:solidFill>
-              </a14:hiddenFill>
-            </a:ext>
-            <a:ext uri="{91240B29-F687-4F45-9708-019B960494DF}">
-              <a14:hiddenLine xmlns:a14="http://schemas.microsoft.com/office/drawing/2010/main" w="9525">
-                <a:solidFill>
-                  <a:srgbClr val="000000"/>
-                </a:solidFill>
-                <a:miter lim="800000"/>
-                <a:headEnd/>
-                <a:tailEnd/>
-              </a14:hiddenLine>
-            </a:ext>
-          </a:extLst>
-        </p:spPr>
-        <p:txBody>
-          <a:bodyPr vert="horz" wrap="square" lIns="91440" tIns="45720" rIns="91440" bIns="45720" numCol="1" anchor="t" anchorCtr="0" compatLnSpc="1">
-            <a:prstTxWarp prst="textNoShape">
-              <a:avLst/>
-            </a:prstTxWarp>
-          </a:bodyPr>
-          <a:lstStyle/>
-          <a:p>
-            <a:pPr lvl="0"/>
-            <a:r>
-              <a:rPr lang="en-US" altLang="en-US"/>
-              <a:t>Click to edit Master text styles</a:t>
-            </a:r>
-          </a:p>
-          <a:p>
-            <a:pPr lvl="1"/>
-            <a:r>
-              <a:rPr lang="en-US" altLang="en-US"/>
-              <a:t>Second level</a:t>
-            </a:r>
-          </a:p>
-          <a:p>
-            <a:pPr lvl="2"/>
-            <a:r>
-              <a:rPr lang="en-US" altLang="en-US"/>
-              <a:t>Third level</a:t>
-            </a:r>
-          </a:p>
-          <a:p>
-            <a:pPr lvl="3"/>
-            <a:r>
-              <a:rPr lang="en-US" altLang="en-US"/>
-              <a:t>Fourth level</a:t>
-            </a:r>
-          </a:p>
-          <a:p>
-            <a:pPr lvl="4"/>
-            <a:r>
-              <a:rPr lang="en-US" altLang="en-US"/>
-              <a:t>Fifth level</a:t>
-            </a:r>
-          </a:p>
-        </p:txBody>
-      </p:sp>
-      <p:sp>
-        <p:nvSpPr>
-          <p:cNvPr id="39942" name="Rectangle 6"/>
-          <p:cNvSpPr>
-            <a:spLocks noChangeArrowheads="1"/>
-          </p:cNvSpPr>
-          <p:nvPr/>
-        </p:nvSpPr>
-        <p:spPr bwMode="auto">
-          <a:xfrm>
-            <a:off x="0" y="0"/>
-            <a:ext cx="304800" cy="1600200"/>
-          </a:xfrm>
-          <a:prstGeom prst="rect">
-            <a:avLst/>
-          </a:prstGeom>
-          <a:gradFill rotWithShape="1">
-            <a:gsLst>
-              <a:gs pos="0">
-                <a:srgbClr val="0000C5"/>
-              </a:gs>
-              <a:gs pos="100000">
-                <a:schemeClr val="bg1"/>
-              </a:gs>
-            </a:gsLst>
-            <a:lin ang="5400000" scaled="1"/>
-          </a:gradFill>
           <a:ln w="9525">
             <a:noFill/>
             <a:miter lim="800000"/>
@@ -4177,19 +3646,83 @@
           <a:effectLst/>
         </p:spPr>
         <p:txBody>
-          <a:bodyPr wrap="none" anchor="ctr"/>
+          <a:bodyPr vert="horz" wrap="square" lIns="91440" tIns="45720" rIns="91440" bIns="45720" numCol="1" anchor="t" anchorCtr="0" compatLnSpc="1">
+            <a:prstTxWarp prst="textNoShape">
+              <a:avLst/>
+            </a:prstTxWarp>
+            <a:normAutofit/>
+          </a:bodyPr>
           <a:lstStyle/>
           <a:p>
-            <a:pPr>
-              <a:defRPr/>
-            </a:pPr>
-            <a:endParaRPr lang="en-US"/>
+            <a:pPr lvl="0"/>
+            <a:r>
+              <a:rPr lang="en-US"/>
+              <a:t>Edit Master text styles</a:t>
+            </a:r>
+          </a:p>
+          <a:p>
+            <a:pPr lvl="1"/>
+            <a:r>
+              <a:rPr lang="en-US"/>
+              <a:t>Second level</a:t>
+            </a:r>
+          </a:p>
+          <a:p>
+            <a:pPr lvl="2"/>
+            <a:r>
+              <a:rPr lang="en-US"/>
+              <a:t>Third level</a:t>
+            </a:r>
+          </a:p>
+          <a:p>
+            <a:pPr lvl="3"/>
+            <a:r>
+              <a:rPr lang="en-US"/>
+              <a:t>Fourth level</a:t>
+            </a:r>
+          </a:p>
+          <a:p>
+            <a:pPr lvl="4"/>
+            <a:r>
+              <a:rPr lang="en-US"/>
+              <a:t>Fifth level</a:t>
+            </a:r>
+            <a:endParaRPr lang="en-US" dirty="0"/>
           </a:p>
         </p:txBody>
       </p:sp>
+      <p:cxnSp>
+        <p:nvCxnSpPr>
+          <p:cNvPr id="3" name="Straight Connector 2"/>
+          <p:cNvCxnSpPr/>
+          <p:nvPr/>
+        </p:nvCxnSpPr>
+        <p:spPr bwMode="auto">
+          <a:xfrm>
+            <a:off x="274320" y="6446520"/>
+            <a:ext cx="8595360" cy="0"/>
+          </a:xfrm>
+          <a:prstGeom prst="line">
+            <a:avLst/>
+          </a:prstGeom>
+          <a:solidFill>
+            <a:schemeClr val="accent1"/>
+          </a:solidFill>
+          <a:ln w="9525" cap="flat" cmpd="sng" algn="ctr">
+            <a:solidFill>
+              <a:srgbClr val="D1D1D1"/>
+            </a:solidFill>
+            <a:prstDash val="solid"/>
+            <a:round/>
+            <a:headEnd type="none" w="med" len="med"/>
+            <a:tailEnd type="none" w="med" len="med"/>
+          </a:ln>
+          <a:effectLst/>
+        </p:spPr>
+      </p:cxnSp>
       <p:sp>
         <p:nvSpPr>
-          <p:cNvPr id="39943" name="Text Box 7"/>
+          <p:cNvPr id="7" name="Text Box 47"/>
           <p:cNvSpPr txBox="1">
             <a:spLocks noChangeArrowheads="1"/>
           </p:cNvSpPr>
@@ -4197,7 +3730,7 @@
         </p:nvSpPr>
         <p:spPr bwMode="auto">
           <a:xfrm>
-            <a:off x="2743200" y="6553274"/>
+            <a:off x="3190081" y="6583680"/>
             <a:ext cx="2763838" cy="198438"/>
           </a:xfrm>
           <a:prstGeom prst="rect">
@@ -4219,20 +3752,26 @@
           <a:lstStyle/>
           <a:p>
             <a:pPr algn="r">
-              <a:defRPr/>
+              <a:spcBef>
+                <a:spcPts val="0"/>
+              </a:spcBef>
             </a:pPr>
             <a:r>
               <a:rPr lang="en-US" sz="700" dirty="0">
                 <a:solidFill>
-                  <a:srgbClr val="4D4D4D"/>
+                  <a:schemeClr val="bg1">
+                    <a:lumMod val="50000"/>
+                  </a:schemeClr>
                 </a:solidFill>
-                <a:cs typeface="Arial" pitchFamily="34" charset="0"/>
+                <a:cs typeface="Arial" charset="0"/>
               </a:rPr>
-              <a:t>© 2016 Electric Power Research Institute, Inc. All rights reserved.</a:t>
+              <a:t>© 2017 Electric Power Research Institute, Inc. All rights reserved.</a:t>
             </a:r>
             <a:endParaRPr lang="en-US" sz="700" dirty="0">
               <a:solidFill>
-                <a:srgbClr val="4D4D4D"/>
+                <a:schemeClr val="bg1">
+                  <a:lumMod val="50000"/>
+                </a:schemeClr>
               </a:solidFill>
             </a:endParaRPr>
           </a:p>
@@ -4240,80 +3779,72 @@
       </p:sp>
       <p:pic>
         <p:nvPicPr>
-          <p:cNvPr id="5128" name="Picture 8" descr="EPRI logo_RGB_2@300"/>
+          <p:cNvPr id="9" name="Picture 8" descr="EPRI logo 2014_RGB.jpg"/>
           <p:cNvPicPr>
-            <a:picLocks noChangeAspect="1" noChangeArrowheads="1"/>
+            <a:picLocks noChangeAspect="1"/>
           </p:cNvPicPr>
           <p:nvPr/>
         </p:nvPicPr>
         <p:blipFill>
-          <a:blip r:embed="rId16" cstate="print">
-            <a:extLst>
-              <a:ext uri="{28A0092B-C50C-407E-A947-70E740481C1C}">
-                <a14:useLocalDpi xmlns:a14="http://schemas.microsoft.com/office/drawing/2010/main" val="0"/>
-              </a:ext>
-            </a:extLst>
-          </a:blip>
-          <a:srcRect/>
+          <a:blip r:embed="rId14" cstate="print"/>
           <a:stretch>
             <a:fillRect/>
           </a:stretch>
         </p:blipFill>
-        <p:spPr bwMode="auto">
+        <p:spPr>
           <a:xfrm>
-            <a:off x="7018338" y="6446838"/>
-            <a:ext cx="1828800" cy="301625"/>
+            <a:off x="7315200" y="6492240"/>
+            <a:ext cx="1554480" cy="287681"/>
           </a:xfrm>
           <a:prstGeom prst="rect">
             <a:avLst/>
           </a:prstGeom>
-          <a:noFill/>
-          <a:ln>
-            <a:noFill/>
-          </a:ln>
-          <a:extLst>
-            <a:ext uri="{909E8E84-426E-40DD-AFC4-6F175D3DCCD1}">
-              <a14:hiddenFill xmlns:a14="http://schemas.microsoft.com/office/drawing/2010/main">
-                <a:solidFill>
-                  <a:srgbClr val="FFFFFF"/>
-                </a:solidFill>
-              </a14:hiddenFill>
-            </a:ext>
-            <a:ext uri="{91240B29-F687-4F45-9708-019B960494DF}">
-              <a14:hiddenLine xmlns:a14="http://schemas.microsoft.com/office/drawing/2010/main" w="9525">
-                <a:solidFill>
-                  <a:srgbClr val="000000"/>
-                </a:solidFill>
-                <a:miter lim="800000"/>
-                <a:headEnd/>
-                <a:tailEnd/>
-              </a14:hiddenLine>
-            </a:ext>
-          </a:extLst>
         </p:spPr>
       </p:pic>
     </p:spTree>
+    <p:extLst>
+      <p:ext uri="{BB962C8B-B14F-4D97-AF65-F5344CB8AC3E}">
+        <p14:creationId xmlns:p14="http://schemas.microsoft.com/office/powerpoint/2010/main" val="2780769879"/>
+      </p:ext>
+    </p:extLst>
   </p:cSld>
   <p:clrMap bg1="lt1" tx1="dk1" bg2="lt2" tx2="dk2" accent1="accent1" accent2="accent2" accent3="accent3" accent4="accent4" accent5="accent5" accent6="accent6" hlink="hlink" folHlink="folHlink"/>
   <p:sldLayoutIdLst>
-    <p:sldLayoutId id="2147483708" r:id="rId1"/>
-    <p:sldLayoutId id="2147483695" r:id="rId2"/>
-    <p:sldLayoutId id="2147483696" r:id="rId3"/>
-    <p:sldLayoutId id="2147483697" r:id="rId4"/>
-    <p:sldLayoutId id="2147483698" r:id="rId5"/>
-    <p:sldLayoutId id="2147483699" r:id="rId6"/>
-    <p:sldLayoutId id="2147483700" r:id="rId7"/>
-    <p:sldLayoutId id="2147483701" r:id="rId8"/>
-    <p:sldLayoutId id="2147483702" r:id="rId9"/>
-    <p:sldLayoutId id="2147483703" r:id="rId10"/>
-    <p:sldLayoutId id="2147483704" r:id="rId11"/>
-    <p:sldLayoutId id="2147483705" r:id="rId12"/>
-    <p:sldLayoutId id="2147483706" r:id="rId13"/>
-    <p:sldLayoutId id="2147483707" r:id="rId14"/>
+    <p:sldLayoutId id="2147483710" r:id="rId1"/>
+    <p:sldLayoutId id="2147483711" r:id="rId2"/>
+    <p:sldLayoutId id="2147483712" r:id="rId3"/>
+    <p:sldLayoutId id="2147483713" r:id="rId4"/>
+    <p:sldLayoutId id="2147483714" r:id="rId5"/>
+    <p:sldLayoutId id="2147483715" r:id="rId6"/>
+    <p:sldLayoutId id="2147483716" r:id="rId7"/>
+    <p:sldLayoutId id="2147483717" r:id="rId8"/>
+    <p:sldLayoutId id="2147483718" r:id="rId9"/>
+    <p:sldLayoutId id="2147483719" r:id="rId10"/>
+    <p:sldLayoutId id="2147483720" r:id="rId11"/>
+    <p:sldLayoutId id="2147483721" r:id="rId12"/>
   </p:sldLayoutIdLst>
   <p:txStyles>
     <p:titleStyle>
-      <a:lvl1pPr algn="l" rtl="0" eaLnBrk="0" fontAlgn="base" hangingPunct="0">
+      <a:lvl1pPr algn="l" rtl="0" eaLnBrk="1" fontAlgn="base" hangingPunct="1">
+        <a:lnSpc>
+          <a:spcPct val="100000"/>
+        </a:lnSpc>
+        <a:spcBef>
+          <a:spcPct val="0"/>
+        </a:spcBef>
+        <a:spcAft>
+          <a:spcPct val="0"/>
+        </a:spcAft>
+        <a:defRPr sz="2800" b="1">
+          <a:solidFill>
+            <a:schemeClr val="tx2"/>
+          </a:solidFill>
+          <a:latin typeface="+mj-lt"/>
+          <a:ea typeface="+mj-ea"/>
+          <a:cs typeface="+mj-cs"/>
+        </a:defRPr>
+      </a:lvl1pPr>
+      <a:lvl2pPr algn="l" rtl="0" eaLnBrk="1" fontAlgn="base" hangingPunct="1">
         <a:lnSpc>
           <a:spcPct val="95000"/>
         </a:lnSpc>
@@ -4325,14 +3856,12 @@
         </a:spcAft>
         <a:defRPr sz="2800" b="1">
           <a:solidFill>
-            <a:srgbClr val="0000C5"/>
+            <a:schemeClr val="tx2"/>
           </a:solidFill>
-          <a:latin typeface="+mj-lt"/>
-          <a:ea typeface="+mj-ea"/>
-          <a:cs typeface="+mj-cs"/>
+          <a:latin typeface="Arial" charset="0"/>
         </a:defRPr>
-      </a:lvl1pPr>
-      <a:lvl2pPr algn="l" rtl="0" eaLnBrk="0" fontAlgn="base" hangingPunct="0">
+      </a:lvl2pPr>
+      <a:lvl3pPr algn="l" rtl="0" eaLnBrk="1" fontAlgn="base" hangingPunct="1">
         <a:lnSpc>
           <a:spcPct val="95000"/>
         </a:lnSpc>
@@ -4344,12 +3873,12 @@
         </a:spcAft>
         <a:defRPr sz="2800" b="1">
           <a:solidFill>
-            <a:srgbClr val="0000C5"/>
+            <a:schemeClr val="tx2"/>
           </a:solidFill>
-          <a:latin typeface="Arial" pitchFamily="34" charset="0"/>
+          <a:latin typeface="Arial" charset="0"/>
         </a:defRPr>
-      </a:lvl2pPr>
-      <a:lvl3pPr algn="l" rtl="0" eaLnBrk="0" fontAlgn="base" hangingPunct="0">
+      </a:lvl3pPr>
+      <a:lvl4pPr algn="l" rtl="0" eaLnBrk="1" fontAlgn="base" hangingPunct="1">
         <a:lnSpc>
           <a:spcPct val="95000"/>
         </a:lnSpc>
@@ -4361,12 +3890,12 @@
         </a:spcAft>
         <a:defRPr sz="2800" b="1">
           <a:solidFill>
-            <a:srgbClr val="0000C5"/>
+            <a:schemeClr val="tx2"/>
           </a:solidFill>
-          <a:latin typeface="Arial" pitchFamily="34" charset="0"/>
+          <a:latin typeface="Arial" charset="0"/>
         </a:defRPr>
-      </a:lvl3pPr>
-      <a:lvl4pPr algn="l" rtl="0" eaLnBrk="0" fontAlgn="base" hangingPunct="0">
+      </a:lvl4pPr>
+      <a:lvl5pPr algn="l" rtl="0" eaLnBrk="1" fontAlgn="base" hangingPunct="1">
         <a:lnSpc>
           <a:spcPct val="95000"/>
         </a:lnSpc>
@@ -4378,12 +3907,12 @@
         </a:spcAft>
         <a:defRPr sz="2800" b="1">
           <a:solidFill>
-            <a:srgbClr val="0000C5"/>
+            <a:schemeClr val="tx2"/>
           </a:solidFill>
-          <a:latin typeface="Arial" pitchFamily="34" charset="0"/>
+          <a:latin typeface="Arial" charset="0"/>
         </a:defRPr>
-      </a:lvl4pPr>
-      <a:lvl5pPr algn="l" rtl="0" eaLnBrk="0" fontAlgn="base" hangingPunct="0">
+      </a:lvl5pPr>
+      <a:lvl6pPr marL="457200" algn="l" rtl="0" eaLnBrk="1" fontAlgn="base" hangingPunct="1">
         <a:lnSpc>
           <a:spcPct val="95000"/>
         </a:lnSpc>
@@ -4395,12 +3924,12 @@
         </a:spcAft>
         <a:defRPr sz="2800" b="1">
           <a:solidFill>
-            <a:srgbClr val="0000C5"/>
+            <a:schemeClr val="tx2"/>
           </a:solidFill>
-          <a:latin typeface="Arial" pitchFamily="34" charset="0"/>
+          <a:latin typeface="Arial" charset="0"/>
         </a:defRPr>
-      </a:lvl5pPr>
-      <a:lvl6pPr marL="457200" algn="l" rtl="0" fontAlgn="base">
+      </a:lvl6pPr>
+      <a:lvl7pPr marL="914400" algn="l" rtl="0" eaLnBrk="1" fontAlgn="base" hangingPunct="1">
         <a:lnSpc>
           <a:spcPct val="95000"/>
         </a:lnSpc>
@@ -4412,12 +3941,12 @@
         </a:spcAft>
         <a:defRPr sz="2800" b="1">
           <a:solidFill>
-            <a:srgbClr val="0000C5"/>
+            <a:schemeClr val="tx2"/>
           </a:solidFill>
-          <a:latin typeface="Arial" pitchFamily="34" charset="0"/>
+          <a:latin typeface="Arial" charset="0"/>
         </a:defRPr>
-      </a:lvl6pPr>
-      <a:lvl7pPr marL="914400" algn="l" rtl="0" fontAlgn="base">
+      </a:lvl7pPr>
+      <a:lvl8pPr marL="1371600" algn="l" rtl="0" eaLnBrk="1" fontAlgn="base" hangingPunct="1">
         <a:lnSpc>
           <a:spcPct val="95000"/>
         </a:lnSpc>
@@ -4429,12 +3958,12 @@
         </a:spcAft>
         <a:defRPr sz="2800" b="1">
           <a:solidFill>
-            <a:srgbClr val="0000C5"/>
+            <a:schemeClr val="tx2"/>
           </a:solidFill>
-          <a:latin typeface="Arial" pitchFamily="34" charset="0"/>
+          <a:latin typeface="Arial" charset="0"/>
         </a:defRPr>
-      </a:lvl7pPr>
-      <a:lvl8pPr marL="1371600" algn="l" rtl="0" fontAlgn="base">
+      </a:lvl8pPr>
+      <a:lvl9pPr marL="1828800" algn="l" rtl="0" eaLnBrk="1" fontAlgn="base" hangingPunct="1">
         <a:lnSpc>
           <a:spcPct val="95000"/>
         </a:lnSpc>
@@ -4446,123 +3975,124 @@
         </a:spcAft>
         <a:defRPr sz="2800" b="1">
           <a:solidFill>
-            <a:srgbClr val="0000C5"/>
+            <a:schemeClr val="tx2"/>
           </a:solidFill>
-          <a:latin typeface="Arial" pitchFamily="34" charset="0"/>
+          <a:latin typeface="Arial" charset="0"/>
         </a:defRPr>
-      </a:lvl8pPr>
-      <a:lvl9pPr marL="1828800" algn="l" rtl="0" fontAlgn="base">
+      </a:lvl9pPr>
+    </p:titleStyle>
+    <p:bodyStyle>
+      <a:lvl1pPr marL="173038" indent="-173038" algn="l" rtl="0" eaLnBrk="1" fontAlgn="base" hangingPunct="1">
         <a:lnSpc>
-          <a:spcPct val="95000"/>
+          <a:spcPct val="100000"/>
         </a:lnSpc>
         <a:spcBef>
           <a:spcPct val="0"/>
         </a:spcBef>
         <a:spcAft>
-          <a:spcPct val="0"/>
+          <a:spcPts val="600"/>
         </a:spcAft>
-        <a:defRPr sz="2800" b="1">
-          <a:solidFill>
-            <a:srgbClr val="0000C5"/>
-          </a:solidFill>
-          <a:latin typeface="Arial" pitchFamily="34" charset="0"/>
-        </a:defRPr>
-      </a:lvl9pPr>
-    </p:titleStyle>
-    <p:bodyStyle>
-      <a:lvl1pPr marL="173038" indent="-173038" algn="l" rtl="0" eaLnBrk="0" fontAlgn="base" hangingPunct="0">
-        <a:lnSpc>
-          <a:spcPct val="95000"/>
-        </a:lnSpc>
-        <a:spcBef>
-          <a:spcPct val="0"/>
-        </a:spcBef>
-        <a:spcAft>
-          <a:spcPct val="25000"/>
-        </a:spcAft>
-        <a:buChar char="•"/>
+        <a:buClr>
+          <a:schemeClr val="tx2"/>
+        </a:buClr>
+        <a:buFont typeface="Wingdings" panose="05000000000000000000" pitchFamily="2" charset="2"/>
+        <a:buChar char="§"/>
         <a:defRPr sz="2400">
           <a:solidFill>
-            <a:srgbClr val="000000"/>
+            <a:schemeClr val="tx1"/>
           </a:solidFill>
           <a:latin typeface="+mn-lt"/>
           <a:ea typeface="+mn-ea"/>
           <a:cs typeface="+mn-cs"/>
         </a:defRPr>
       </a:lvl1pPr>
-      <a:lvl2pPr marL="573088" indent="-285750" algn="l" rtl="0" eaLnBrk="0" fontAlgn="base" hangingPunct="0">
+      <a:lvl2pPr marL="515938" indent="-228600" algn="l" rtl="0" eaLnBrk="1" fontAlgn="base" hangingPunct="1">
         <a:lnSpc>
-          <a:spcPct val="95000"/>
+          <a:spcPct val="100000"/>
         </a:lnSpc>
         <a:spcBef>
           <a:spcPct val="0"/>
         </a:spcBef>
         <a:spcAft>
-          <a:spcPct val="25000"/>
+          <a:spcPts val="600"/>
         </a:spcAft>
+        <a:buClr>
+          <a:schemeClr val="tx2"/>
+        </a:buClr>
         <a:buChar char="–"/>
-        <a:defRPr sz="2400">
+        <a:defRPr sz="2000">
           <a:solidFill>
-            <a:srgbClr val="000000"/>
+            <a:schemeClr val="tx1"/>
           </a:solidFill>
           <a:latin typeface="+mn-lt"/>
         </a:defRPr>
       </a:lvl2pPr>
-      <a:lvl3pPr marL="920750" indent="-233363" algn="l" rtl="0" eaLnBrk="0" fontAlgn="base" hangingPunct="0">
+      <a:lvl3pPr marL="798513" indent="-166688" algn="l" rtl="0" eaLnBrk="1" fontAlgn="base" hangingPunct="1">
         <a:lnSpc>
-          <a:spcPct val="95000"/>
+          <a:spcPct val="100000"/>
         </a:lnSpc>
         <a:spcBef>
           <a:spcPct val="0"/>
         </a:spcBef>
         <a:spcAft>
-          <a:spcPct val="25000"/>
+          <a:spcPts val="600"/>
         </a:spcAft>
-        <a:buChar char="•"/>
-        <a:defRPr sz="2400">
+        <a:buClr>
+          <a:schemeClr val="tx2"/>
+        </a:buClr>
+        <a:buFont typeface="Wingdings" panose="05000000000000000000" pitchFamily="2" charset="2"/>
+        <a:buChar char="§"/>
+        <a:defRPr sz="2000">
           <a:solidFill>
-            <a:srgbClr val="000000"/>
+            <a:schemeClr val="tx1"/>
           </a:solidFill>
           <a:latin typeface="+mn-lt"/>
         </a:defRPr>
       </a:lvl3pPr>
-      <a:lvl4pPr marL="1316038" indent="-280988" algn="l" rtl="0" eaLnBrk="0" fontAlgn="base" hangingPunct="0">
+      <a:lvl4pPr marL="1196975" indent="-223838" algn="l" rtl="0" eaLnBrk="1" fontAlgn="base" hangingPunct="1">
         <a:lnSpc>
-          <a:spcPct val="95000"/>
+          <a:spcPct val="100000"/>
         </a:lnSpc>
         <a:spcBef>
           <a:spcPct val="0"/>
         </a:spcBef>
         <a:spcAft>
-          <a:spcPct val="25000"/>
+          <a:spcPts val="600"/>
         </a:spcAft>
+        <a:buClr>
+          <a:schemeClr val="tx2"/>
+        </a:buClr>
         <a:buChar char="–"/>
-        <a:defRPr sz="2400">
+        <a:defRPr sz="2000">
           <a:solidFill>
-            <a:srgbClr val="000000"/>
+            <a:schemeClr val="tx1"/>
           </a:solidFill>
           <a:latin typeface="+mn-lt"/>
         </a:defRPr>
       </a:lvl4pPr>
-      <a:lvl5pPr marL="1657350" indent="-222250" algn="l" rtl="0" eaLnBrk="0" fontAlgn="base" hangingPunct="0">
+      <a:lvl5pPr marL="1487488" indent="-174625" algn="l" rtl="0" eaLnBrk="1" fontAlgn="base" hangingPunct="1">
         <a:lnSpc>
-          <a:spcPct val="95000"/>
+          <a:spcPct val="100000"/>
         </a:lnSpc>
         <a:spcBef>
           <a:spcPct val="0"/>
         </a:spcBef>
         <a:spcAft>
-          <a:spcPct val="25000"/>
+          <a:spcPts val="600"/>
         </a:spcAft>
-        <a:buChar char="•"/>
-        <a:defRPr sz="2400">
+        <a:buClr>
+          <a:schemeClr val="tx2"/>
+        </a:buClr>
+        <a:buFont typeface="Wingdings" panose="05000000000000000000" pitchFamily="2" charset="2"/>
+        <a:buChar char="§"/>
+        <a:defRPr sz="2000">
           <a:solidFill>
-            <a:srgbClr val="000000"/>
+            <a:schemeClr val="tx1"/>
           </a:solidFill>
           <a:latin typeface="+mn-lt"/>
         </a:defRPr>
       </a:lvl5pPr>
-      <a:lvl6pPr marL="2114550" indent="-222250" algn="l" rtl="0" fontAlgn="base">
+      <a:lvl6pPr marL="1944688" indent="-174625" algn="l" rtl="0" eaLnBrk="1" fontAlgn="base" hangingPunct="1">
         <a:lnSpc>
           <a:spcPct val="95000"/>
         </a:lnSpc>
@@ -4580,7 +4110,7 @@
           <a:latin typeface="+mn-lt"/>
         </a:defRPr>
       </a:lvl6pPr>
-      <a:lvl7pPr marL="2571750" indent="-222250" algn="l" rtl="0" fontAlgn="base">
+      <a:lvl7pPr marL="2401888" indent="-174625" algn="l" rtl="0" eaLnBrk="1" fontAlgn="base" hangingPunct="1">
         <a:lnSpc>
           <a:spcPct val="95000"/>
         </a:lnSpc>
@@ -4598,7 +4128,7 @@
           <a:latin typeface="+mn-lt"/>
         </a:defRPr>
       </a:lvl7pPr>
-      <a:lvl8pPr marL="3028950" indent="-222250" algn="l" rtl="0" fontAlgn="base">
+      <a:lvl8pPr marL="2859088" indent="-174625" algn="l" rtl="0" eaLnBrk="1" fontAlgn="base" hangingPunct="1">
         <a:lnSpc>
           <a:spcPct val="95000"/>
         </a:lnSpc>
@@ -4616,7 +4146,7 @@
           <a:latin typeface="+mn-lt"/>
         </a:defRPr>
       </a:lvl8pPr>
-      <a:lvl9pPr marL="3486150" indent="-222250" algn="l" rtl="0" fontAlgn="base">
+      <a:lvl9pPr marL="3316288" indent="-174625" algn="l" rtl="0" eaLnBrk="1" fontAlgn="base" hangingPunct="1">
         <a:lnSpc>
           <a:spcPct val="95000"/>
         </a:lnSpc>
@@ -4753,169 +4283,158 @@
       </p:grpSpPr>
       <p:sp>
         <p:nvSpPr>
-          <p:cNvPr id="7170" name="Rectangle 2"/>
+          <p:cNvPr id="2" name="Subtitle 1"/>
           <p:cNvSpPr>
-            <a:spLocks noGrp="1" noChangeArrowheads="1"/>
+            <a:spLocks noGrp="1"/>
           </p:cNvSpPr>
           <p:nvPr>
-            <p:ph type="ctrTitle"/>
+            <p:ph type="subTitle" sz="quarter" idx="1"/>
           </p:nvPr>
         </p:nvSpPr>
         <p:spPr>
           <a:xfrm>
-            <a:off x="3746500" y="1881188"/>
-            <a:ext cx="4935538" cy="2286000"/>
+            <a:off x="274320" y="3931920"/>
+            <a:ext cx="4572000" cy="2743200"/>
           </a:xfrm>
+          <a:ln>
+            <a:noFill/>
+          </a:ln>
         </p:spPr>
         <p:txBody>
           <a:bodyPr/>
           <a:lstStyle/>
           <a:p>
-            <a:pPr algn="r" eaLnBrk="1" hangingPunct="1"/>
-            <a:r>
-              <a:rPr lang="en-US" dirty="0"/>
-              <a:t>Advanced Power Distribution Network Analysis: </a:t>
+            <a:pPr algn="r"/>
+            <a:r>
+              <a:rPr lang="en-US" b="1" dirty="0"/>
+              <a:t>Instructors</a:t>
+            </a:r>
+          </a:p>
+          <a:p>
+            <a:pPr algn="r"/>
+            <a:r>
+              <a:rPr lang="en-US" b="1" dirty="0"/>
+              <a:t>Roger C. Dugan</a:t>
+            </a:r>
+            <a:br>
+              <a:rPr lang="en-US" b="1" dirty="0"/>
+            </a:br>
+            <a:r>
+              <a:rPr lang="en-US" b="1" dirty="0"/>
+              <a:t>Matt Rylander</a:t>
+            </a:r>
+            <a:br>
+              <a:rPr lang="en-US" b="1" dirty="0"/>
+            </a:br>
+            <a:endParaRPr lang="en-US" dirty="0"/>
+          </a:p>
+          <a:p>
+            <a:pPr algn="r"/>
+            <a:r>
+              <a:rPr lang="en-US" b="1" dirty="0"/>
+              <a:t>Sponsored by CenterPoint Energy</a:t>
+            </a:r>
+            <a:br>
+              <a:rPr lang="en-US" b="1" dirty="0"/>
+            </a:br>
+            <a:r>
+              <a:rPr lang="en-US" b="1" dirty="0"/>
+              <a:t>At Texas A&amp;M University</a:t>
             </a:r>
             <a:br>
               <a:rPr lang="en-US" dirty="0"/>
             </a:br>
-            <a:br>
+            <a:r>
               <a:rPr lang="en-US" dirty="0"/>
-            </a:br>
-            <a:r>
-              <a:rPr lang="en-US" dirty="0"/>
-              <a:t>Renewable generation integration and smart grids</a:t>
-            </a:r>
-            <a:br>
-              <a:rPr lang="en-US" dirty="0"/>
-            </a:br>
-            <a:endParaRPr lang="en-US" altLang="en-US" dirty="0"/>
+              <a:t>April 19, 20, 21</a:t>
+            </a:r>
           </a:p>
         </p:txBody>
       </p:sp>
       <p:sp>
         <p:nvSpPr>
-          <p:cNvPr id="7171" name="Rectangle 3"/>
+          <p:cNvPr id="3" name="Title 2"/>
           <p:cNvSpPr>
-            <a:spLocks noGrp="1" noChangeArrowheads="1"/>
+            <a:spLocks noGrp="1"/>
           </p:cNvSpPr>
           <p:nvPr>
-            <p:ph type="subTitle" idx="1"/>
+            <p:ph type="ctrTitle" sz="quarter"/>
           </p:nvPr>
         </p:nvSpPr>
         <p:spPr>
           <a:xfrm>
-            <a:off x="3746500" y="4625975"/>
-            <a:ext cx="4935538" cy="1863725"/>
+            <a:off x="274320" y="1097280"/>
+            <a:ext cx="4572000" cy="2651760"/>
           </a:xfrm>
-        </p:spPr>
-        <p:txBody>
-          <a:bodyPr/>
-          <a:lstStyle/>
-          <a:p>
-            <a:pPr eaLnBrk="1" hangingPunct="1"/>
-            <a:r>
-              <a:rPr lang="en-US" altLang="en-US" sz="1800" b="1" dirty="0"/>
-              <a:t>Roger C. Dugan</a:t>
-            </a:r>
-            <a:br>
-              <a:rPr lang="en-US" altLang="en-US" sz="1800" b="1" dirty="0"/>
-            </a:br>
-            <a:r>
-              <a:rPr lang="en-US" altLang="en-US" sz="1800" b="1" dirty="0"/>
-              <a:t>Sr. Technical Executive, EPRI</a:t>
-            </a:r>
-            <a:br>
-              <a:rPr lang="en-US" altLang="en-US" sz="1800" dirty="0"/>
-            </a:br>
-            <a:endParaRPr lang="en-US" altLang="en-US" sz="1800" b="1" dirty="0"/>
-          </a:p>
-          <a:p>
-            <a:pPr eaLnBrk="1" hangingPunct="1"/>
-            <a:r>
-              <a:rPr lang="en-US" altLang="en-US" sz="1800" b="1" dirty="0"/>
-              <a:t>Summer School</a:t>
-            </a:r>
-          </a:p>
-          <a:p>
-            <a:pPr eaLnBrk="1" hangingPunct="1"/>
-            <a:r>
-              <a:rPr lang="en-US" altLang="en-US" sz="1800" b="1" dirty="0"/>
-              <a:t>Universidad de </a:t>
-            </a:r>
-            <a:r>
-              <a:rPr lang="en-US" altLang="en-US" sz="1800" b="1" dirty="0" err="1"/>
-              <a:t>los</a:t>
-            </a:r>
-            <a:r>
-              <a:rPr lang="en-US" altLang="en-US" sz="1800" b="1" dirty="0"/>
-              <a:t> Andes</a:t>
-            </a:r>
-          </a:p>
-          <a:p>
-            <a:pPr eaLnBrk="1" hangingPunct="1"/>
-            <a:r>
-              <a:rPr lang="en-US" altLang="en-US" sz="1400" dirty="0"/>
-              <a:t>June 27 – July 1, 2016</a:t>
-            </a:r>
-          </a:p>
-        </p:txBody>
-      </p:sp>
-      <p:pic>
-        <p:nvPicPr>
-          <p:cNvPr id="7172" name="Picture 4" descr="2010 PQA ppt cover"/>
-          <p:cNvPicPr>
-            <a:picLocks noChangeAspect="1" noChangeArrowheads="1"/>
-          </p:cNvPicPr>
-          <p:nvPr/>
-        </p:nvPicPr>
-        <p:blipFill>
-          <a:blip r:embed="rId3">
-            <a:extLst>
-              <a:ext uri="{28A0092B-C50C-407E-A947-70E740481C1C}">
-                <a14:useLocalDpi xmlns:a14="http://schemas.microsoft.com/office/drawing/2010/main" val="0"/>
-              </a:ext>
-            </a:extLst>
-          </a:blip>
-          <a:srcRect/>
-          <a:stretch>
-            <a:fillRect/>
-          </a:stretch>
-        </p:blipFill>
-        <p:spPr bwMode="auto">
-          <a:xfrm>
-            <a:off x="0" y="-1588"/>
-            <a:ext cx="3656013" cy="6856413"/>
-          </a:xfrm>
-          <a:prstGeom prst="rect">
-            <a:avLst/>
-          </a:prstGeom>
-          <a:noFill/>
           <a:ln>
             <a:noFill/>
           </a:ln>
-          <a:extLst>
-            <a:ext uri="{909E8E84-426E-40DD-AFC4-6F175D3DCCD1}">
-              <a14:hiddenFill xmlns:a14="http://schemas.microsoft.com/office/drawing/2010/main">
+        </p:spPr>
+        <p:txBody>
+          <a:bodyPr anchor="ctr">
+            <a:normAutofit/>
+          </a:bodyPr>
+          <a:lstStyle/>
+          <a:p>
+            <a:pPr algn="r"/>
+            <a:r>
+              <a:rPr lang="en-US" dirty="0">
                 <a:solidFill>
-                  <a:srgbClr val="FFFFFF"/>
+                  <a:schemeClr val="tx2"/>
                 </a:solidFill>
-              </a14:hiddenFill>
-            </a:ext>
-            <a:ext uri="{91240B29-F687-4F45-9708-019B960494DF}">
-              <a14:hiddenLine xmlns:a14="http://schemas.microsoft.com/office/drawing/2010/main" w="9525">
+              </a:rPr>
+              <a:t>Advanced Modeling for Distribution Planning Workshop</a:t>
+            </a:r>
+            <a:br>
+              <a:rPr lang="en-US" dirty="0">
                 <a:solidFill>
-                  <a:srgbClr val="000000"/>
+                  <a:schemeClr val="tx2"/>
                 </a:solidFill>
-                <a:miter lim="800000"/>
-                <a:headEnd/>
-                <a:tailEnd/>
-              </a14:hiddenLine>
-            </a:ext>
-          </a:extLst>
-        </p:spPr>
-      </p:pic>
+              </a:rPr>
+            </a:br>
+            <a:r>
+              <a:rPr lang="en-US" sz="2000" dirty="0">
+                <a:solidFill>
+                  <a:schemeClr val="bg2">
+                    <a:lumMod val="60000"/>
+                    <a:lumOff val="40000"/>
+                  </a:schemeClr>
+                </a:solidFill>
+              </a:rPr>
+              <a:t>with </a:t>
+            </a:r>
+            <a:r>
+              <a:rPr lang="en-US" sz="2000" dirty="0" err="1">
+                <a:solidFill>
+                  <a:schemeClr val="bg2">
+                    <a:lumMod val="60000"/>
+                    <a:lumOff val="40000"/>
+                  </a:schemeClr>
+                </a:solidFill>
+              </a:rPr>
+              <a:t>OpenDSS</a:t>
+            </a:r>
+            <a:br>
+              <a:rPr lang="en-US" dirty="0">
+                <a:solidFill>
+                  <a:schemeClr val="tx2"/>
+                </a:solidFill>
+              </a:rPr>
+            </a:br>
+            <a:endParaRPr lang="en-US" sz="2800" i="1" dirty="0">
+              <a:solidFill>
+                <a:schemeClr val="bg2"/>
+              </a:solidFill>
+            </a:endParaRPr>
+          </a:p>
+        </p:txBody>
+      </p:sp>
     </p:spTree>
+    <p:extLst>
+      <p:ext uri="{BB962C8B-B14F-4D97-AF65-F5344CB8AC3E}">
+        <p14:creationId xmlns:p14="http://schemas.microsoft.com/office/powerpoint/2010/main" val="1354688757"/>
+      </p:ext>
+    </p:extLst>
   </p:cSld>
   <p:clrMapOvr>
     <a:masterClrMapping/>
@@ -5063,7 +4582,7 @@
         </p:nvSpPr>
         <p:spPr>
           <a:xfrm>
-            <a:off x="457200" y="2418219"/>
+            <a:off x="990600" y="1828800"/>
             <a:ext cx="4572000" cy="1446550"/>
           </a:xfrm>
           <a:prstGeom prst="rect">
@@ -7192,60 +6711,6 @@
           </a:p>
         </p:txBody>
       </p:sp>
-      <p:pic>
-        <p:nvPicPr>
-          <p:cNvPr id="10244" name="Picture 4" descr="2010 PQA ppt cover"/>
-          <p:cNvPicPr>
-            <a:picLocks noChangeAspect="1" noChangeArrowheads="1"/>
-          </p:cNvPicPr>
-          <p:nvPr/>
-        </p:nvPicPr>
-        <p:blipFill>
-          <a:blip r:embed="rId3">
-            <a:extLst>
-              <a:ext uri="{28A0092B-C50C-407E-A947-70E740481C1C}">
-                <a14:useLocalDpi xmlns:a14="http://schemas.microsoft.com/office/drawing/2010/main" val="0"/>
-              </a:ext>
-            </a:extLst>
-          </a:blip>
-          <a:srcRect/>
-          <a:stretch>
-            <a:fillRect/>
-          </a:stretch>
-        </p:blipFill>
-        <p:spPr bwMode="auto">
-          <a:xfrm>
-            <a:off x="0" y="-1588"/>
-            <a:ext cx="3656013" cy="6856413"/>
-          </a:xfrm>
-          <a:prstGeom prst="rect">
-            <a:avLst/>
-          </a:prstGeom>
-          <a:noFill/>
-          <a:ln>
-            <a:noFill/>
-          </a:ln>
-          <a:extLst>
-            <a:ext uri="{909E8E84-426E-40DD-AFC4-6F175D3DCCD1}">
-              <a14:hiddenFill xmlns:a14="http://schemas.microsoft.com/office/drawing/2010/main">
-                <a:solidFill>
-                  <a:srgbClr val="FFFFFF"/>
-                </a:solidFill>
-              </a14:hiddenFill>
-            </a:ext>
-            <a:ext uri="{91240B29-F687-4F45-9708-019B960494DF}">
-              <a14:hiddenLine xmlns:a14="http://schemas.microsoft.com/office/drawing/2010/main" w="9525">
-                <a:solidFill>
-                  <a:srgbClr val="000000"/>
-                </a:solidFill>
-                <a:miter lim="800000"/>
-                <a:headEnd/>
-                <a:tailEnd/>
-              </a14:hiddenLine>
-            </a:ext>
-          </a:extLst>
-        </p:spPr>
-      </p:pic>
     </p:spTree>
   </p:cSld>
   <p:clrMapOvr>
@@ -7611,7 +7076,7 @@
           <a:graphicData uri="http://schemas.openxmlformats.org/presentationml/2006/ole">
             <mc:AlternateContent xmlns:mc="http://schemas.openxmlformats.org/markup-compatibility/2006">
               <mc:Choice xmlns:v="urn:schemas-microsoft-com:vml" Requires="v">
-                <p:oleObj spid="_x0000_s2054" name="Visio" r:id="rId3" imgW="5837314" imgH="4408915" progId="Visio.Drawing.11">
+                <p:oleObj spid="_x0000_s2056" name="Visio" r:id="rId3" imgW="5837314" imgH="4408915" progId="Visio.Drawing.11">
                   <p:embed/>
                 </p:oleObj>
               </mc:Choice>
@@ -8206,9 +7671,9 @@
 </file>
 
 <file path=ppt/theme/theme1.xml><?xml version="1.0" encoding="utf-8"?>
-<a:theme xmlns:a="http://schemas.openxmlformats.org/drawingml/2006/main" name="2010 EPRIPowerPointTemplate">
+<a:theme xmlns:a="http://schemas.openxmlformats.org/drawingml/2006/main" name="2017 PowerPoint Theme">
   <a:themeElements>
-    <a:clrScheme name="">
+    <a:clrScheme name="EPRI Color Theme 2015">
       <a:dk1>
         <a:srgbClr val="000000"/>
       </a:dk1>
@@ -8216,37 +7681,37 @@
         <a:srgbClr val="FFFFFF"/>
       </a:lt1>
       <a:dk2>
-        <a:srgbClr val="0013C5"/>
+        <a:srgbClr val="000099"/>
       </a:dk2>
       <a:lt2>
-        <a:srgbClr val="B5B5B5"/>
+        <a:srgbClr val="595959"/>
       </a:lt2>
       <a:accent1>
-        <a:srgbClr val="B04359"/>
+        <a:srgbClr val="006699"/>
       </a:accent1>
       <a:accent2>
-        <a:srgbClr val="006699"/>
+        <a:srgbClr val="A50021"/>
       </a:accent2>
       <a:accent3>
-        <a:srgbClr val="FFFFFF"/>
+        <a:srgbClr val="30BE30"/>
       </a:accent3>
       <a:accent4>
-        <a:srgbClr val="000000"/>
+        <a:srgbClr val="FF8000"/>
       </a:accent4>
       <a:accent5>
-        <a:srgbClr val="D4B0B5"/>
+        <a:srgbClr val="8409FF"/>
       </a:accent5>
       <a:accent6>
-        <a:srgbClr val="005C8A"/>
+        <a:srgbClr val="FFCC00"/>
       </a:accent6>
       <a:hlink>
-        <a:srgbClr val="FFA432"/>
+        <a:srgbClr val="0000FF"/>
       </a:hlink>
       <a:folHlink>
-        <a:srgbClr val="4FE37C"/>
+        <a:srgbClr val="FF0000"/>
       </a:folHlink>
     </a:clrScheme>
-    <a:fontScheme name="2010 EPRIPowerPointTemplate">
+    <a:fontScheme name="blank">
       <a:majorFont>
         <a:latin typeface="Arial"/>
         <a:ea typeface=""/>
@@ -8483,7 +7948,7 @@
               <a:srgbClr val="000000"/>
             </a:solidFill>
             <a:effectLst/>
-            <a:latin typeface="Arial" pitchFamily="34" charset="0"/>
+            <a:latin typeface="Arial" charset="0"/>
           </a:defRPr>
         </a:defPPr>
       </a:lstStyle>
@@ -8545,7 +8010,7 @@
               <a:srgbClr val="000000"/>
             </a:solidFill>
             <a:effectLst/>
-            <a:latin typeface="Arial" pitchFamily="34" charset="0"/>
+            <a:latin typeface="Arial" charset="0"/>
           </a:defRPr>
         </a:defPPr>
       </a:lstStyle>
@@ -8553,7 +8018,7 @@
   </a:objectDefaults>
   <a:extraClrSchemeLst>
     <a:extraClrScheme>
-      <a:clrScheme name="2010 EPRIPowerPointTemplate 1">
+      <a:clrScheme name="blank 1">
         <a:dk1>
           <a:srgbClr val="000000"/>
         </a:dk1>
@@ -8594,7 +8059,7 @@
       <a:clrMap bg1="lt1" tx1="dk1" bg2="lt2" tx2="dk2" accent1="accent1" accent2="accent2" accent3="accent3" accent4="accent4" accent5="accent5" accent6="accent6" hlink="hlink" folHlink="folHlink"/>
     </a:extraClrScheme>
     <a:extraClrScheme>
-      <a:clrScheme name="2010 EPRIPowerPointTemplate 2">
+      <a:clrScheme name="blank 2">
         <a:dk1>
           <a:srgbClr val="000000"/>
         </a:dk1>
@@ -8635,7 +8100,7 @@
       <a:clrMap bg1="lt1" tx1="dk1" bg2="lt2" tx2="dk2" accent1="accent1" accent2="accent2" accent3="accent3" accent4="accent4" accent5="accent5" accent6="accent6" hlink="hlink" folHlink="folHlink"/>
     </a:extraClrScheme>
     <a:extraClrScheme>
-      <a:clrScheme name="2010 EPRIPowerPointTemplate 3">
+      <a:clrScheme name="blank 3">
         <a:dk1>
           <a:srgbClr val="000000"/>
         </a:dk1>
@@ -8676,7 +8141,7 @@
       <a:clrMap bg1="lt1" tx1="dk1" bg2="lt2" tx2="dk2" accent1="accent1" accent2="accent2" accent3="accent3" accent4="accent4" accent5="accent5" accent6="accent6" hlink="hlink" folHlink="folHlink"/>
     </a:extraClrScheme>
     <a:extraClrScheme>
-      <a:clrScheme name="2010 EPRIPowerPointTemplate 4">
+      <a:clrScheme name="blank 4">
         <a:dk1>
           <a:srgbClr val="000000"/>
         </a:dk1>
@@ -8717,7 +8182,7 @@
       <a:clrMap bg1="lt1" tx1="dk1" bg2="lt2" tx2="dk2" accent1="accent1" accent2="accent2" accent3="accent3" accent4="accent4" accent5="accent5" accent6="accent6" hlink="hlink" folHlink="folHlink"/>
     </a:extraClrScheme>
     <a:extraClrScheme>
-      <a:clrScheme name="2010 EPRIPowerPointTemplate 5">
+      <a:clrScheme name="blank 5">
         <a:dk1>
           <a:srgbClr val="000000"/>
         </a:dk1>
@@ -8758,7 +8223,7 @@
       <a:clrMap bg1="lt1" tx1="dk1" bg2="lt2" tx2="dk2" accent1="accent1" accent2="accent2" accent3="accent3" accent4="accent4" accent5="accent5" accent6="accent6" hlink="hlink" folHlink="folHlink"/>
     </a:extraClrScheme>
     <a:extraClrScheme>
-      <a:clrScheme name="2010 EPRIPowerPointTemplate 6">
+      <a:clrScheme name="blank 6">
         <a:dk1>
           <a:srgbClr val="005A58"/>
         </a:dk1>
@@ -8799,7 +8264,7 @@
       <a:clrMap bg1="dk2" tx1="lt1" bg2="dk1" tx2="lt2" accent1="accent1" accent2="accent2" accent3="accent3" accent4="accent4" accent5="accent5" accent6="accent6" hlink="hlink" folHlink="folHlink"/>
     </a:extraClrScheme>
     <a:extraClrScheme>
-      <a:clrScheme name="2010 EPRIPowerPointTemplate 7">
+      <a:clrScheme name="blank 7">
         <a:dk1>
           <a:srgbClr val="5C1F00"/>
         </a:dk1>
@@ -8840,7 +8305,7 @@
       <a:clrMap bg1="dk2" tx1="lt1" bg2="dk1" tx2="lt2" accent1="accent1" accent2="accent2" accent3="accent3" accent4="accent4" accent5="accent5" accent6="accent6" hlink="hlink" folHlink="folHlink"/>
     </a:extraClrScheme>
     <a:extraClrScheme>
-      <a:clrScheme name="2010 EPRIPowerPointTemplate 8">
+      <a:clrScheme name="blank 8">
         <a:dk1>
           <a:srgbClr val="003366"/>
         </a:dk1>
@@ -8881,7 +8346,7 @@
       <a:clrMap bg1="dk2" tx1="lt1" bg2="dk1" tx2="lt2" accent1="accent1" accent2="accent2" accent3="accent3" accent4="accent4" accent5="accent5" accent6="accent6" hlink="hlink" folHlink="folHlink"/>
     </a:extraClrScheme>
     <a:extraClrScheme>
-      <a:clrScheme name="2010 EPRIPowerPointTemplate 9">
+      <a:clrScheme name="blank 9">
         <a:dk1>
           <a:srgbClr val="336699"/>
         </a:dk1>
@@ -8922,7 +8387,7 @@
       <a:clrMap bg1="dk2" tx1="lt1" bg2="dk1" tx2="lt2" accent1="accent1" accent2="accent2" accent3="accent3" accent4="accent4" accent5="accent5" accent6="accent6" hlink="hlink" folHlink="folHlink"/>
     </a:extraClrScheme>
     <a:extraClrScheme>
-      <a:clrScheme name="2010 EPRIPowerPointTemplate 10">
+      <a:clrScheme name="blank 10">
         <a:dk1>
           <a:srgbClr val="777777"/>
         </a:dk1>
@@ -8963,7 +8428,7 @@
       <a:clrMap bg1="dk2" tx1="lt1" bg2="dk1" tx2="lt2" accent1="accent1" accent2="accent2" accent3="accent3" accent4="accent4" accent5="accent5" accent6="accent6" hlink="hlink" folHlink="folHlink"/>
     </a:extraClrScheme>
     <a:extraClrScheme>
-      <a:clrScheme name="2010 EPRIPowerPointTemplate 11">
+      <a:clrScheme name="blank 11">
         <a:dk1>
           <a:srgbClr val="3E3E5C"/>
         </a:dk1>
@@ -9004,7 +8469,7 @@
       <a:clrMap bg1="dk2" tx1="lt1" bg2="dk1" tx2="lt2" accent1="accent1" accent2="accent2" accent3="accent3" accent4="accent4" accent5="accent5" accent6="accent6" hlink="hlink" folHlink="folHlink"/>
     </a:extraClrScheme>
     <a:extraClrScheme>
-      <a:clrScheme name="2010 EPRIPowerPointTemplate 12">
+      <a:clrScheme name="blank 12">
         <a:dk1>
           <a:srgbClr val="2D2015"/>
         </a:dk1>
@@ -9044,7 +8509,176 @@
       </a:clrScheme>
       <a:clrMap bg1="dk2" tx1="lt1" bg2="dk1" tx2="lt2" accent1="accent1" accent2="accent2" accent3="accent3" accent4="accent4" accent5="accent5" accent6="accent6" hlink="hlink" folHlink="folHlink"/>
     </a:extraClrScheme>
+    <a:extraClrScheme>
+      <a:clrScheme name="blank 13">
+        <a:dk1>
+          <a:srgbClr val="000000"/>
+        </a:dk1>
+        <a:lt1>
+          <a:srgbClr val="FFFFFF"/>
+        </a:lt1>
+        <a:dk2>
+          <a:srgbClr val="0013C5"/>
+        </a:dk2>
+        <a:lt2>
+          <a:srgbClr val="B2B2B2"/>
+        </a:lt2>
+        <a:accent1>
+          <a:srgbClr val="B04359"/>
+        </a:accent1>
+        <a:accent2>
+          <a:srgbClr val="006699"/>
+        </a:accent2>
+        <a:accent3>
+          <a:srgbClr val="FFFFFF"/>
+        </a:accent3>
+        <a:accent4>
+          <a:srgbClr val="000000"/>
+        </a:accent4>
+        <a:accent5>
+          <a:srgbClr val="D4B0B5"/>
+        </a:accent5>
+        <a:accent6>
+          <a:srgbClr val="005C8A"/>
+        </a:accent6>
+        <a:hlink>
+          <a:srgbClr val="FFA432"/>
+        </a:hlink>
+        <a:folHlink>
+          <a:srgbClr val="4FE37C"/>
+        </a:folHlink>
+      </a:clrScheme>
+      <a:clrMap bg1="lt1" tx1="dk1" bg2="lt2" tx2="dk2" accent1="accent1" accent2="accent2" accent3="accent3" accent4="accent4" accent5="accent5" accent6="accent6" hlink="hlink" folHlink="folHlink"/>
+    </a:extraClrScheme>
+    <a:extraClrScheme>
+      <a:clrScheme name="blank 14">
+        <a:dk1>
+          <a:srgbClr val="000000"/>
+        </a:dk1>
+        <a:lt1>
+          <a:srgbClr val="FFFFFF"/>
+        </a:lt1>
+        <a:dk2>
+          <a:srgbClr val="0013C5"/>
+        </a:dk2>
+        <a:lt2>
+          <a:srgbClr val="B2B2B2"/>
+        </a:lt2>
+        <a:accent1>
+          <a:srgbClr val="A50021"/>
+        </a:accent1>
+        <a:accent2>
+          <a:srgbClr val="006699"/>
+        </a:accent2>
+        <a:accent3>
+          <a:srgbClr val="FFFFFF"/>
+        </a:accent3>
+        <a:accent4>
+          <a:srgbClr val="000000"/>
+        </a:accent4>
+        <a:accent5>
+          <a:srgbClr val="CFAAAB"/>
+        </a:accent5>
+        <a:accent6>
+          <a:srgbClr val="005C8A"/>
+        </a:accent6>
+        <a:hlink>
+          <a:srgbClr val="FFA432"/>
+        </a:hlink>
+        <a:folHlink>
+          <a:srgbClr val="4FE37C"/>
+        </a:folHlink>
+      </a:clrScheme>
+      <a:clrMap bg1="lt1" tx1="dk1" bg2="lt2" tx2="dk2" accent1="accent1" accent2="accent2" accent3="accent3" accent4="accent4" accent5="accent5" accent6="accent6" hlink="hlink" folHlink="folHlink"/>
+    </a:extraClrScheme>
+    <a:extraClrScheme>
+      <a:clrScheme name="blank 15">
+        <a:dk1>
+          <a:srgbClr val="000000"/>
+        </a:dk1>
+        <a:lt1>
+          <a:srgbClr val="FFFFFF"/>
+        </a:lt1>
+        <a:dk2>
+          <a:srgbClr val="0013C5"/>
+        </a:dk2>
+        <a:lt2>
+          <a:srgbClr val="B2B2B2"/>
+        </a:lt2>
+        <a:accent1>
+          <a:srgbClr val="A50021"/>
+        </a:accent1>
+        <a:accent2>
+          <a:srgbClr val="006699"/>
+        </a:accent2>
+        <a:accent3>
+          <a:srgbClr val="FFFFFF"/>
+        </a:accent3>
+        <a:accent4>
+          <a:srgbClr val="000000"/>
+        </a:accent4>
+        <a:accent5>
+          <a:srgbClr val="CFAAAB"/>
+        </a:accent5>
+        <a:accent6>
+          <a:srgbClr val="005C8A"/>
+        </a:accent6>
+        <a:hlink>
+          <a:srgbClr val="FF9933"/>
+        </a:hlink>
+        <a:folHlink>
+          <a:srgbClr val="4FE37C"/>
+        </a:folHlink>
+      </a:clrScheme>
+      <a:clrMap bg1="lt1" tx1="dk1" bg2="lt2" tx2="dk2" accent1="accent1" accent2="accent2" accent3="accent3" accent4="accent4" accent5="accent5" accent6="accent6" hlink="hlink" folHlink="folHlink"/>
+    </a:extraClrScheme>
+    <a:extraClrScheme>
+      <a:clrScheme name="blank 16">
+        <a:dk1>
+          <a:srgbClr val="000000"/>
+        </a:dk1>
+        <a:lt1>
+          <a:srgbClr val="FFFFFF"/>
+        </a:lt1>
+        <a:dk2>
+          <a:srgbClr val="0013C5"/>
+        </a:dk2>
+        <a:lt2>
+          <a:srgbClr val="B2B2B2"/>
+        </a:lt2>
+        <a:accent1>
+          <a:srgbClr val="A50021"/>
+        </a:accent1>
+        <a:accent2>
+          <a:srgbClr val="006699"/>
+        </a:accent2>
+        <a:accent3>
+          <a:srgbClr val="FFFFFF"/>
+        </a:accent3>
+        <a:accent4>
+          <a:srgbClr val="000000"/>
+        </a:accent4>
+        <a:accent5>
+          <a:srgbClr val="CFAAAB"/>
+        </a:accent5>
+        <a:accent6>
+          <a:srgbClr val="005C8A"/>
+        </a:accent6>
+        <a:hlink>
+          <a:srgbClr val="FF9933"/>
+        </a:hlink>
+        <a:folHlink>
+          <a:srgbClr val="33CC33"/>
+        </a:folHlink>
+      </a:clrScheme>
+      <a:clrMap bg1="lt1" tx1="dk1" bg2="lt2" tx2="dk2" accent1="accent1" accent2="accent2" accent3="accent3" accent4="accent4" accent5="accent5" accent6="accent6" hlink="hlink" folHlink="folHlink"/>
+    </a:extraClrScheme>
   </a:extraClrSchemeLst>
+  <a:extLst>
+    <a:ext uri="{05A4C25C-085E-4340-85A3-A5531E510DB2}">
+      <thm15:themeFamily xmlns:thm15="http://schemas.microsoft.com/office/thememl/2012/main" name="2017 PowerPoint Template_v1.0-compressed.pptx" id="{22C5CF4E-E521-4ECF-A0C2-051C98C0D3AA}" vid="{EA66951D-B5AC-4D1B-B729-924FEAD0A058}"/>
+    </a:ext>
+  </a:extLst>
 </a:theme>
 </file>
 
